--- a/Шумкина_ВКР_презентация.pptx
+++ b/Шумкина_ВКР_презентация.pptx
@@ -271,7 +271,7 @@
   </p:defaultTextStyle>
   <p:extLst>
     <p:ext uri="{EFAFB233-063F-42B5-8137-9DF3F51BA10A}">
-      <p15:sldGuideLst xmlns="" xmlns:p15="http://schemas.microsoft.com/office/powerpoint/2012/main">
+      <p15:sldGuideLst xmlns:p15="http://schemas.microsoft.com/office/powerpoint/2012/main" xmlns="">
         <p15:guide id="2" pos="347" userDrawn="1">
           <p15:clr>
             <a:srgbClr val="000000"/>
@@ -290,10 +290,10 @@
       </p15:sldGuideLst>
     </p:ext>
     <p:ext uri="{2D200454-40CA-4A62-9FC3-DE9A4176ACB9}">
-      <p15:notesGuideLst xmlns="" xmlns:p15="http://schemas.microsoft.com/office/powerpoint/2012/main"/>
+      <p15:notesGuideLst xmlns:p15="http://schemas.microsoft.com/office/powerpoint/2012/main" xmlns=""/>
     </p:ext>
     <p:ext uri="http://customooxmlschemas.google.com/">
-      <go:slidesCustomData xmlns="" xmlns:mc="http://schemas.openxmlformats.org/markup-compatibility/2006" xmlns:mv="urn:schemas-microsoft-com:mac:vml" xmlns:c="http://schemas.openxmlformats.org/drawingml/2006/chart" xmlns:dgm="http://schemas.openxmlformats.org/drawingml/2006/diagram" xmlns:o="urn:schemas-microsoft-com:office:office" xmlns:v="urn:schemas-microsoft-com:vml" xmlns:pvml="urn:schemas-microsoft-com:office:powerpoint" xmlns:com="http://schemas.openxmlformats.org/drawingml/2006/compatibility" xmlns:p14="http://schemas.microsoft.com/office/powerpoint/2010/main" xmlns:p15="http://schemas.microsoft.com/office/powerpoint/2012/main" xmlns:ahyp="http://schemas.microsoft.com/office/drawing/2018/hyperlinkcolor" xmlns:go="http://customooxmlschemas.google.com/" r:id="rId27" roundtripDataSignature="AMtx7mg2fLzW2NWhC2ejww7VA5lENbgL/Q=="/>
+      <go:slidesCustomData xmlns:go="http://customooxmlschemas.google.com/" xmlns:ahyp="http://schemas.microsoft.com/office/drawing/2018/hyperlinkcolor" xmlns:p15="http://schemas.microsoft.com/office/powerpoint/2012/main" xmlns:p14="http://schemas.microsoft.com/office/powerpoint/2010/main" xmlns:com="http://schemas.openxmlformats.org/drawingml/2006/compatibility" xmlns:pvml="urn:schemas-microsoft-com:office:powerpoint" xmlns:v="urn:schemas-microsoft-com:vml" xmlns:o="urn:schemas-microsoft-com:office:office" xmlns:dgm="http://schemas.openxmlformats.org/drawingml/2006/diagram" xmlns:c="http://schemas.openxmlformats.org/drawingml/2006/chart" xmlns:mv="urn:schemas-microsoft-com:mac:vml" xmlns:mc="http://schemas.openxmlformats.org/markup-compatibility/2006" xmlns="" r:id="rId27" roundtripDataSignature="AMtx7mg2fLzW2NWhC2ejww7VA5lENbgL/Q=="/>
     </p:ext>
   </p:extLst>
 </p:presentation>
@@ -304,7 +304,7 @@
   <p:cmAuthor id="1" name="User" initials="U" lastIdx="3" clrIdx="0">
     <p:extLst>
       <p:ext uri="{19B8F6BF-5375-455C-9EA6-DF929625EA0E}">
-        <p15:presenceInfo xmlns="" xmlns:p15="http://schemas.microsoft.com/office/powerpoint/2012/main" userId="User" providerId="None"/>
+        <p15:presenceInfo xmlns:p15="http://schemas.microsoft.com/office/powerpoint/2012/main" xmlns="" userId="User" providerId="None"/>
       </p:ext>
     </p:extLst>
   </p:cmAuthor>
@@ -992,7 +992,7 @@
           <p:cNvPr id="6" name="Google Shape;88;p1">
             <a:extLst>
               <a:ext uri="{FF2B5EF4-FFF2-40B4-BE49-F238E27FC236}">
-                <a16:creationId xmlns="" xmlns:a16="http://schemas.microsoft.com/office/drawing/2014/main" id="{2D925FD8-DECC-4CD6-B8C0-B1ADCC5FA20A}"/>
+                <a16:creationId xmlns:a16="http://schemas.microsoft.com/office/drawing/2014/main" xmlns="" id="{2D925FD8-DECC-4CD6-B8C0-B1ADCC5FA20A}"/>
               </a:ext>
             </a:extLst>
           </p:cNvPr>
@@ -1025,7 +1025,7 @@
           <p:cNvPr id="7" name="Группа 6">
             <a:extLst>
               <a:ext uri="{FF2B5EF4-FFF2-40B4-BE49-F238E27FC236}">
-                <a16:creationId xmlns="" xmlns:a16="http://schemas.microsoft.com/office/drawing/2014/main" id="{B0283559-7C69-4037-A5DE-025458FA127C}"/>
+                <a16:creationId xmlns:a16="http://schemas.microsoft.com/office/drawing/2014/main" xmlns="" id="{B0283559-7C69-4037-A5DE-025458FA127C}"/>
               </a:ext>
             </a:extLst>
           </p:cNvPr>
@@ -1045,7 +1045,7 @@
             <p:cNvPr id="9" name="Google Shape;13;p5">
               <a:extLst>
                 <a:ext uri="{FF2B5EF4-FFF2-40B4-BE49-F238E27FC236}">
-                  <a16:creationId xmlns="" xmlns:a16="http://schemas.microsoft.com/office/drawing/2014/main" id="{2F2230A9-DF50-482B-98EE-86D3A472B57F}"/>
+                  <a16:creationId xmlns:a16="http://schemas.microsoft.com/office/drawing/2014/main" xmlns="" id="{2F2230A9-DF50-482B-98EE-86D3A472B57F}"/>
                 </a:ext>
               </a:extLst>
             </p:cNvPr>
@@ -1078,7 +1078,7 @@
             <p:cNvPr id="10" name="Прямоугольник 9">
               <a:extLst>
                 <a:ext uri="{FF2B5EF4-FFF2-40B4-BE49-F238E27FC236}">
-                  <a16:creationId xmlns="" xmlns:a16="http://schemas.microsoft.com/office/drawing/2014/main" id="{8967D30A-87B4-4421-A52A-46DC79DD78AC}"/>
+                  <a16:creationId xmlns:a16="http://schemas.microsoft.com/office/drawing/2014/main" xmlns="" id="{8967D30A-87B4-4421-A52A-46DC79DD78AC}"/>
                 </a:ext>
               </a:extLst>
             </p:cNvPr>
@@ -1131,7 +1131,7 @@
           <p:cNvPr id="3" name="Рисунок 2">
             <a:extLst>
               <a:ext uri="{FF2B5EF4-FFF2-40B4-BE49-F238E27FC236}">
-                <a16:creationId xmlns="" xmlns:a16="http://schemas.microsoft.com/office/drawing/2014/main" id="{D20BDE73-1EE8-4C18-91ED-1CD26511FE5F}"/>
+                <a16:creationId xmlns:a16="http://schemas.microsoft.com/office/drawing/2014/main" xmlns="" id="{D20BDE73-1EE8-4C18-91ED-1CD26511FE5F}"/>
               </a:ext>
             </a:extLst>
           </p:cNvPr>
@@ -1161,7 +1161,7 @@
           <p:cNvPr id="4" name="Google Shape;11;p5">
             <a:extLst>
               <a:ext uri="{FF2B5EF4-FFF2-40B4-BE49-F238E27FC236}">
-                <a16:creationId xmlns="" xmlns:a16="http://schemas.microsoft.com/office/drawing/2014/main" id="{E3BFA7FB-261D-418C-AB36-0AE52A4CC41D}"/>
+                <a16:creationId xmlns:a16="http://schemas.microsoft.com/office/drawing/2014/main" xmlns="" id="{E3BFA7FB-261D-418C-AB36-0AE52A4CC41D}"/>
               </a:ext>
             </a:extLst>
           </p:cNvPr>
@@ -1319,7 +1319,7 @@
           <p:cNvPr id="5" name="Google Shape;12;p5">
             <a:extLst>
               <a:ext uri="{FF2B5EF4-FFF2-40B4-BE49-F238E27FC236}">
-                <a16:creationId xmlns="" xmlns:a16="http://schemas.microsoft.com/office/drawing/2014/main" id="{84D6A78E-BD41-4E16-8DD7-8CD3958FF54B}"/>
+                <a16:creationId xmlns:a16="http://schemas.microsoft.com/office/drawing/2014/main" xmlns="" id="{84D6A78E-BD41-4E16-8DD7-8CD3958FF54B}"/>
               </a:ext>
             </a:extLst>
           </p:cNvPr>
@@ -1949,7 +1949,7 @@
           <p:cNvPr id="6" name="Google Shape;83;p17">
             <a:extLst>
               <a:ext uri="{FF2B5EF4-FFF2-40B4-BE49-F238E27FC236}">
-                <a16:creationId xmlns="" xmlns:a16="http://schemas.microsoft.com/office/drawing/2014/main" id="{464BD804-D61C-41D4-836A-3F0D5620725E}"/>
+                <a16:creationId xmlns:a16="http://schemas.microsoft.com/office/drawing/2014/main" xmlns="" id="{464BD804-D61C-41D4-836A-3F0D5620725E}"/>
               </a:ext>
             </a:extLst>
           </p:cNvPr>
@@ -2102,7 +2102,7 @@
           <p:cNvPr id="4" name="Google Shape;83;p17">
             <a:extLst>
               <a:ext uri="{FF2B5EF4-FFF2-40B4-BE49-F238E27FC236}">
-                <a16:creationId xmlns="" xmlns:a16="http://schemas.microsoft.com/office/drawing/2014/main" id="{3C33CCE7-3AA5-4E4A-9FB4-1EE49FE9D890}"/>
+                <a16:creationId xmlns:a16="http://schemas.microsoft.com/office/drawing/2014/main" xmlns="" id="{3C33CCE7-3AA5-4E4A-9FB4-1EE49FE9D890}"/>
               </a:ext>
             </a:extLst>
           </p:cNvPr>
@@ -2255,7 +2255,7 @@
           <p:cNvPr id="3" name="Google Shape;83;p17">
             <a:extLst>
               <a:ext uri="{FF2B5EF4-FFF2-40B4-BE49-F238E27FC236}">
-                <a16:creationId xmlns="" xmlns:a16="http://schemas.microsoft.com/office/drawing/2014/main" id="{0CA1A5D0-6F6B-4B83-84EB-024B06E2BB76}"/>
+                <a16:creationId xmlns:a16="http://schemas.microsoft.com/office/drawing/2014/main" xmlns="" id="{0CA1A5D0-6F6B-4B83-84EB-024B06E2BB76}"/>
               </a:ext>
             </a:extLst>
           </p:cNvPr>
@@ -3556,7 +3556,7 @@
           <p:cNvPr id="6" name="Google Shape;83;p17">
             <a:extLst>
               <a:ext uri="{FF2B5EF4-FFF2-40B4-BE49-F238E27FC236}">
-                <a16:creationId xmlns="" xmlns:a16="http://schemas.microsoft.com/office/drawing/2014/main" id="{375ED264-9BE6-45D1-BEF5-3485B756C4E8}"/>
+                <a16:creationId xmlns:a16="http://schemas.microsoft.com/office/drawing/2014/main" xmlns="" id="{375ED264-9BE6-45D1-BEF5-3485B756C4E8}"/>
               </a:ext>
             </a:extLst>
           </p:cNvPr>
@@ -4129,7 +4129,7 @@
           <p:cNvPr id="6" name="Google Shape;83;p17">
             <a:extLst>
               <a:ext uri="{FF2B5EF4-FFF2-40B4-BE49-F238E27FC236}">
-                <a16:creationId xmlns="" xmlns:a16="http://schemas.microsoft.com/office/drawing/2014/main" id="{BB71C74F-A570-498D-A002-6D7C372C65B0}"/>
+                <a16:creationId xmlns:a16="http://schemas.microsoft.com/office/drawing/2014/main" xmlns="" id="{BB71C74F-A570-498D-A002-6D7C372C65B0}"/>
               </a:ext>
             </a:extLst>
           </p:cNvPr>
@@ -4282,7 +4282,7 @@
           <p:cNvPr id="28" name="Google Shape;88;p1">
             <a:extLst>
               <a:ext uri="{FF2B5EF4-FFF2-40B4-BE49-F238E27FC236}">
-                <a16:creationId xmlns="" xmlns:a16="http://schemas.microsoft.com/office/drawing/2014/main" id="{12BBAE2F-1E25-4B32-9650-086D0CA2FEB3}"/>
+                <a16:creationId xmlns:a16="http://schemas.microsoft.com/office/drawing/2014/main" xmlns="" id="{12BBAE2F-1E25-4B32-9650-086D0CA2FEB3}"/>
               </a:ext>
             </a:extLst>
           </p:cNvPr>
@@ -4315,7 +4315,7 @@
           <p:cNvPr id="5" name="Рисунок 4">
             <a:extLst>
               <a:ext uri="{FF2B5EF4-FFF2-40B4-BE49-F238E27FC236}">
-                <a16:creationId xmlns="" xmlns:a16="http://schemas.microsoft.com/office/drawing/2014/main" id="{2B857A83-5237-42B9-BA8A-BF8F445C1D41}"/>
+                <a16:creationId xmlns:a16="http://schemas.microsoft.com/office/drawing/2014/main" xmlns="" id="{2B857A83-5237-42B9-BA8A-BF8F445C1D41}"/>
               </a:ext>
             </a:extLst>
           </p:cNvPr>
@@ -4345,7 +4345,7 @@
           <p:cNvPr id="4" name="Рисунок 3">
             <a:extLst>
               <a:ext uri="{FF2B5EF4-FFF2-40B4-BE49-F238E27FC236}">
-                <a16:creationId xmlns="" xmlns:a16="http://schemas.microsoft.com/office/drawing/2014/main" id="{FDF32500-0827-4423-A3B8-9538CB7A7CD1}"/>
+                <a16:creationId xmlns:a16="http://schemas.microsoft.com/office/drawing/2014/main" xmlns="" id="{FDF32500-0827-4423-A3B8-9538CB7A7CD1}"/>
               </a:ext>
             </a:extLst>
           </p:cNvPr>
@@ -4375,7 +4375,7 @@
           <p:cNvPr id="29" name="TextBox 28">
             <a:extLst>
               <a:ext uri="{FF2B5EF4-FFF2-40B4-BE49-F238E27FC236}">
-                <a16:creationId xmlns="" xmlns:a16="http://schemas.microsoft.com/office/drawing/2014/main" id="{D5D1BD65-59E0-46AC-BC24-1B28D1FA30E4}"/>
+                <a16:creationId xmlns:a16="http://schemas.microsoft.com/office/drawing/2014/main" xmlns="" id="{D5D1BD65-59E0-46AC-BC24-1B28D1FA30E4}"/>
               </a:ext>
             </a:extLst>
           </p:cNvPr>
@@ -4429,7 +4429,7 @@
           <p:cNvPr id="32" name="Прямоугольник 58">
             <a:extLst>
               <a:ext uri="{FF2B5EF4-FFF2-40B4-BE49-F238E27FC236}">
-                <a16:creationId xmlns="" xmlns:a16="http://schemas.microsoft.com/office/drawing/2014/main" id="{046CF162-1BBC-4CF7-9474-D6A32C635F92}"/>
+                <a16:creationId xmlns:a16="http://schemas.microsoft.com/office/drawing/2014/main" xmlns="" id="{046CF162-1BBC-4CF7-9474-D6A32C635F92}"/>
               </a:ext>
             </a:extLst>
           </p:cNvPr>
@@ -4611,7 +4611,7 @@
           <p:cNvPr id="3" name="Рисунок 2">
             <a:extLst>
               <a:ext uri="{FF2B5EF4-FFF2-40B4-BE49-F238E27FC236}">
-                <a16:creationId xmlns="" xmlns:a16="http://schemas.microsoft.com/office/drawing/2014/main" id="{9E8EEF78-8EFF-47ED-8447-A3A1F67B89B9}"/>
+                <a16:creationId xmlns:a16="http://schemas.microsoft.com/office/drawing/2014/main" xmlns="" id="{9E8EEF78-8EFF-47ED-8447-A3A1F67B89B9}"/>
               </a:ext>
             </a:extLst>
           </p:cNvPr>
@@ -5829,7 +5829,7 @@
           <p:cNvPr id="2" name="Заголовок 1">
             <a:extLst>
               <a:ext uri="{FF2B5EF4-FFF2-40B4-BE49-F238E27FC236}">
-                <a16:creationId xmlns="" xmlns:a16="http://schemas.microsoft.com/office/drawing/2014/main" id="{5574598A-8D69-4EDC-8A16-7BF4EA8474C6}"/>
+                <a16:creationId xmlns:a16="http://schemas.microsoft.com/office/drawing/2014/main" xmlns="" id="{5574598A-8D69-4EDC-8A16-7BF4EA8474C6}"/>
               </a:ext>
             </a:extLst>
           </p:cNvPr>
@@ -5860,7 +5860,7 @@
           <p:cNvPr id="3" name="Подзаголовок 2">
             <a:extLst>
               <a:ext uri="{FF2B5EF4-FFF2-40B4-BE49-F238E27FC236}">
-                <a16:creationId xmlns="" xmlns:a16="http://schemas.microsoft.com/office/drawing/2014/main" id="{30C45695-17CA-4F1C-9AC0-19290977FAC9}"/>
+                <a16:creationId xmlns:a16="http://schemas.microsoft.com/office/drawing/2014/main" xmlns="" id="{30C45695-17CA-4F1C-9AC0-19290977FAC9}"/>
               </a:ext>
             </a:extLst>
           </p:cNvPr>
@@ -5937,7 +5937,7 @@
           <p:cNvPr id="65" name="Группа 64">
             <a:extLst>
               <a:ext uri="{FF2B5EF4-FFF2-40B4-BE49-F238E27FC236}">
-                <a16:creationId xmlns="" xmlns:a16="http://schemas.microsoft.com/office/drawing/2014/main" id="{9280711C-2262-4089-92EE-9BEACCC60C4C}"/>
+                <a16:creationId xmlns:a16="http://schemas.microsoft.com/office/drawing/2014/main" xmlns="" id="{9280711C-2262-4089-92EE-9BEACCC60C4C}"/>
               </a:ext>
             </a:extLst>
           </p:cNvPr>
@@ -5957,7 +5957,7 @@
             <p:cNvPr id="68" name="Прямоугольник 67">
               <a:extLst>
                 <a:ext uri="{FF2B5EF4-FFF2-40B4-BE49-F238E27FC236}">
-                  <a16:creationId xmlns="" xmlns:a16="http://schemas.microsoft.com/office/drawing/2014/main" id="{E2535886-3476-4B40-9706-6797B77905C0}"/>
+                  <a16:creationId xmlns:a16="http://schemas.microsoft.com/office/drawing/2014/main" xmlns="" id="{E2535886-3476-4B40-9706-6797B77905C0}"/>
                 </a:ext>
               </a:extLst>
             </p:cNvPr>
@@ -6029,7 +6029,7 @@
             <p:cNvPr id="69" name="Прямоугольник 58">
               <a:extLst>
                 <a:ext uri="{FF2B5EF4-FFF2-40B4-BE49-F238E27FC236}">
-                  <a16:creationId xmlns="" xmlns:a16="http://schemas.microsoft.com/office/drawing/2014/main" id="{96789138-2397-49AA-BF3A-A6B5B90E8840}"/>
+                  <a16:creationId xmlns:a16="http://schemas.microsoft.com/office/drawing/2014/main" xmlns="" id="{96789138-2397-49AA-BF3A-A6B5B90E8840}"/>
                 </a:ext>
               </a:extLst>
             </p:cNvPr>
@@ -6166,7 +6166,7 @@
             <p:cNvPr id="70" name="Прямоугольник 58">
               <a:extLst>
                 <a:ext uri="{FF2B5EF4-FFF2-40B4-BE49-F238E27FC236}">
-                  <a16:creationId xmlns="" xmlns:a16="http://schemas.microsoft.com/office/drawing/2014/main" id="{DA239952-60E1-45EB-BDF0-422CC4CF7E42}"/>
+                  <a16:creationId xmlns:a16="http://schemas.microsoft.com/office/drawing/2014/main" xmlns="" id="{DA239952-60E1-45EB-BDF0-422CC4CF7E42}"/>
                 </a:ext>
               </a:extLst>
             </p:cNvPr>
@@ -6309,7 +6309,7 @@
           <p:cNvPr id="4" name="Номер слайда 3">
             <a:extLst>
               <a:ext uri="{FF2B5EF4-FFF2-40B4-BE49-F238E27FC236}">
-                <a16:creationId xmlns="" xmlns:a16="http://schemas.microsoft.com/office/drawing/2014/main" id="{06555008-558A-4705-ADA6-A99A535D9A16}"/>
+                <a16:creationId xmlns:a16="http://schemas.microsoft.com/office/drawing/2014/main" xmlns="" id="{06555008-558A-4705-ADA6-A99A535D9A16}"/>
               </a:ext>
             </a:extLst>
           </p:cNvPr>
@@ -6347,7 +6347,7 @@
           <p:cNvPr id="11" name="Google Shape;125;p4">
             <a:extLst>
               <a:ext uri="{FF2B5EF4-FFF2-40B4-BE49-F238E27FC236}">
-                <a16:creationId xmlns="" xmlns:a16="http://schemas.microsoft.com/office/drawing/2014/main" id="{60669A83-F90E-4A4C-BA00-13CC73D4042F}"/>
+                <a16:creationId xmlns:a16="http://schemas.microsoft.com/office/drawing/2014/main" xmlns="" id="{60669A83-F90E-4A4C-BA00-13CC73D4042F}"/>
               </a:ext>
             </a:extLst>
           </p:cNvPr>
@@ -6417,7 +6417,7 @@
             <p:cNvPr id="60" name="Группа 59">
               <a:extLst>
                 <a:ext uri="{FF2B5EF4-FFF2-40B4-BE49-F238E27FC236}">
-                  <a16:creationId xmlns="" xmlns:a16="http://schemas.microsoft.com/office/drawing/2014/main" id="{CEB208F7-621F-4826-AC02-D9ACF56C2556}"/>
+                  <a16:creationId xmlns:a16="http://schemas.microsoft.com/office/drawing/2014/main" xmlns="" id="{CEB208F7-621F-4826-AC02-D9ACF56C2556}"/>
                 </a:ext>
               </a:extLst>
             </p:cNvPr>
@@ -6437,7 +6437,7 @@
               <p:cNvPr id="61" name="Google Shape;123;p4">
                 <a:extLst>
                   <a:ext uri="{FF2B5EF4-FFF2-40B4-BE49-F238E27FC236}">
-                    <a16:creationId xmlns="" xmlns:a16="http://schemas.microsoft.com/office/drawing/2014/main" id="{C80DFF66-7760-463A-A6E3-7A4A06739A6B}"/>
+                    <a16:creationId xmlns:a16="http://schemas.microsoft.com/office/drawing/2014/main" xmlns="" id="{C80DFF66-7760-463A-A6E3-7A4A06739A6B}"/>
                   </a:ext>
                 </a:extLst>
               </p:cNvPr>
@@ -6471,7 +6471,7 @@
               <p:cNvPr id="62" name="Google Shape;124;p4">
                 <a:extLst>
                   <a:ext uri="{FF2B5EF4-FFF2-40B4-BE49-F238E27FC236}">
-                    <a16:creationId xmlns="" xmlns:a16="http://schemas.microsoft.com/office/drawing/2014/main" id="{537A8DBB-64CB-4C54-9816-C8AB9CEF9F83}"/>
+                    <a16:creationId xmlns:a16="http://schemas.microsoft.com/office/drawing/2014/main" xmlns="" id="{537A8DBB-64CB-4C54-9816-C8AB9CEF9F83}"/>
                   </a:ext>
                 </a:extLst>
               </p:cNvPr>
@@ -6505,7 +6505,7 @@
               <p:cNvPr id="63" name="Google Shape;126;p4">
                 <a:extLst>
                   <a:ext uri="{FF2B5EF4-FFF2-40B4-BE49-F238E27FC236}">
-                    <a16:creationId xmlns="" xmlns:a16="http://schemas.microsoft.com/office/drawing/2014/main" id="{5EA94F71-5A4A-461B-84A6-89FA43FE7B61}"/>
+                    <a16:creationId xmlns:a16="http://schemas.microsoft.com/office/drawing/2014/main" xmlns="" id="{5EA94F71-5A4A-461B-84A6-89FA43FE7B61}"/>
                   </a:ext>
                 </a:extLst>
               </p:cNvPr>
@@ -6540,7 +6540,7 @@
             <p:cNvPr id="64" name="Google Shape;127;p4">
               <a:extLst>
                 <a:ext uri="{FF2B5EF4-FFF2-40B4-BE49-F238E27FC236}">
-                  <a16:creationId xmlns="" xmlns:a16="http://schemas.microsoft.com/office/drawing/2014/main" id="{52F47E68-BBBA-4D50-92F9-0A84552519B8}"/>
+                  <a16:creationId xmlns:a16="http://schemas.microsoft.com/office/drawing/2014/main" xmlns="" id="{52F47E68-BBBA-4D50-92F9-0A84552519B8}"/>
                 </a:ext>
               </a:extLst>
             </p:cNvPr>
@@ -6730,7 +6730,7 @@
           <p:cNvPr id="28" name="Google Shape;125;p4">
             <a:extLst>
               <a:ext uri="{FF2B5EF4-FFF2-40B4-BE49-F238E27FC236}">
-                <a16:creationId xmlns="" xmlns:a16="http://schemas.microsoft.com/office/drawing/2014/main" id="{60669A83-F90E-4A4C-BA00-13CC73D4042F}"/>
+                <a16:creationId xmlns:a16="http://schemas.microsoft.com/office/drawing/2014/main" xmlns="" id="{60669A83-F90E-4A4C-BA00-13CC73D4042F}"/>
               </a:ext>
             </a:extLst>
           </p:cNvPr>
@@ -6864,7 +6864,7 @@
           <p:cNvPr id="65" name="Группа 64">
             <a:extLst>
               <a:ext uri="{FF2B5EF4-FFF2-40B4-BE49-F238E27FC236}">
-                <a16:creationId xmlns="" xmlns:a16="http://schemas.microsoft.com/office/drawing/2014/main" id="{9280711C-2262-4089-92EE-9BEACCC60C4C}"/>
+                <a16:creationId xmlns:a16="http://schemas.microsoft.com/office/drawing/2014/main" xmlns="" id="{9280711C-2262-4089-92EE-9BEACCC60C4C}"/>
               </a:ext>
             </a:extLst>
           </p:cNvPr>
@@ -6884,7 +6884,7 @@
             <p:cNvPr id="68" name="Прямоугольник 67">
               <a:extLst>
                 <a:ext uri="{FF2B5EF4-FFF2-40B4-BE49-F238E27FC236}">
-                  <a16:creationId xmlns="" xmlns:a16="http://schemas.microsoft.com/office/drawing/2014/main" id="{E2535886-3476-4B40-9706-6797B77905C0}"/>
+                  <a16:creationId xmlns:a16="http://schemas.microsoft.com/office/drawing/2014/main" xmlns="" id="{E2535886-3476-4B40-9706-6797B77905C0}"/>
                 </a:ext>
               </a:extLst>
             </p:cNvPr>
@@ -6956,7 +6956,7 @@
             <p:cNvPr id="69" name="Прямоугольник 58">
               <a:extLst>
                 <a:ext uri="{FF2B5EF4-FFF2-40B4-BE49-F238E27FC236}">
-                  <a16:creationId xmlns="" xmlns:a16="http://schemas.microsoft.com/office/drawing/2014/main" id="{96789138-2397-49AA-BF3A-A6B5B90E8840}"/>
+                  <a16:creationId xmlns:a16="http://schemas.microsoft.com/office/drawing/2014/main" xmlns="" id="{96789138-2397-49AA-BF3A-A6B5B90E8840}"/>
                 </a:ext>
               </a:extLst>
             </p:cNvPr>
@@ -7093,7 +7093,7 @@
             <p:cNvPr id="70" name="Прямоугольник 58">
               <a:extLst>
                 <a:ext uri="{FF2B5EF4-FFF2-40B4-BE49-F238E27FC236}">
-                  <a16:creationId xmlns="" xmlns:a16="http://schemas.microsoft.com/office/drawing/2014/main" id="{DA239952-60E1-45EB-BDF0-422CC4CF7E42}"/>
+                  <a16:creationId xmlns:a16="http://schemas.microsoft.com/office/drawing/2014/main" xmlns="" id="{DA239952-60E1-45EB-BDF0-422CC4CF7E42}"/>
                 </a:ext>
               </a:extLst>
             </p:cNvPr>
@@ -7236,7 +7236,7 @@
           <p:cNvPr id="4" name="Номер слайда 3">
             <a:extLst>
               <a:ext uri="{FF2B5EF4-FFF2-40B4-BE49-F238E27FC236}">
-                <a16:creationId xmlns="" xmlns:a16="http://schemas.microsoft.com/office/drawing/2014/main" id="{06555008-558A-4705-ADA6-A99A535D9A16}"/>
+                <a16:creationId xmlns:a16="http://schemas.microsoft.com/office/drawing/2014/main" xmlns="" id="{06555008-558A-4705-ADA6-A99A535D9A16}"/>
               </a:ext>
             </a:extLst>
           </p:cNvPr>
@@ -7274,7 +7274,7 @@
           <p:cNvPr id="11" name="Google Shape;125;p4">
             <a:extLst>
               <a:ext uri="{FF2B5EF4-FFF2-40B4-BE49-F238E27FC236}">
-                <a16:creationId xmlns="" xmlns:a16="http://schemas.microsoft.com/office/drawing/2014/main" id="{60669A83-F90E-4A4C-BA00-13CC73D4042F}"/>
+                <a16:creationId xmlns:a16="http://schemas.microsoft.com/office/drawing/2014/main" xmlns="" id="{60669A83-F90E-4A4C-BA00-13CC73D4042F}"/>
               </a:ext>
             </a:extLst>
           </p:cNvPr>
@@ -7356,7 +7356,7 @@
             <p:cNvPr id="60" name="Группа 59">
               <a:extLst>
                 <a:ext uri="{FF2B5EF4-FFF2-40B4-BE49-F238E27FC236}">
-                  <a16:creationId xmlns="" xmlns:a16="http://schemas.microsoft.com/office/drawing/2014/main" id="{CEB208F7-621F-4826-AC02-D9ACF56C2556}"/>
+                  <a16:creationId xmlns:a16="http://schemas.microsoft.com/office/drawing/2014/main" xmlns="" id="{CEB208F7-621F-4826-AC02-D9ACF56C2556}"/>
                 </a:ext>
               </a:extLst>
             </p:cNvPr>
@@ -7376,7 +7376,7 @@
               <p:cNvPr id="61" name="Google Shape;123;p4">
                 <a:extLst>
                   <a:ext uri="{FF2B5EF4-FFF2-40B4-BE49-F238E27FC236}">
-                    <a16:creationId xmlns="" xmlns:a16="http://schemas.microsoft.com/office/drawing/2014/main" id="{C80DFF66-7760-463A-A6E3-7A4A06739A6B}"/>
+                    <a16:creationId xmlns:a16="http://schemas.microsoft.com/office/drawing/2014/main" xmlns="" id="{C80DFF66-7760-463A-A6E3-7A4A06739A6B}"/>
                   </a:ext>
                 </a:extLst>
               </p:cNvPr>
@@ -7410,7 +7410,7 @@
               <p:cNvPr id="62" name="Google Shape;124;p4">
                 <a:extLst>
                   <a:ext uri="{FF2B5EF4-FFF2-40B4-BE49-F238E27FC236}">
-                    <a16:creationId xmlns="" xmlns:a16="http://schemas.microsoft.com/office/drawing/2014/main" id="{537A8DBB-64CB-4C54-9816-C8AB9CEF9F83}"/>
+                    <a16:creationId xmlns:a16="http://schemas.microsoft.com/office/drawing/2014/main" xmlns="" id="{537A8DBB-64CB-4C54-9816-C8AB9CEF9F83}"/>
                   </a:ext>
                 </a:extLst>
               </p:cNvPr>
@@ -7444,7 +7444,7 @@
               <p:cNvPr id="63" name="Google Shape;126;p4">
                 <a:extLst>
                   <a:ext uri="{FF2B5EF4-FFF2-40B4-BE49-F238E27FC236}">
-                    <a16:creationId xmlns="" xmlns:a16="http://schemas.microsoft.com/office/drawing/2014/main" id="{5EA94F71-5A4A-461B-84A6-89FA43FE7B61}"/>
+                    <a16:creationId xmlns:a16="http://schemas.microsoft.com/office/drawing/2014/main" xmlns="" id="{5EA94F71-5A4A-461B-84A6-89FA43FE7B61}"/>
                   </a:ext>
                 </a:extLst>
               </p:cNvPr>
@@ -7479,7 +7479,7 @@
             <p:cNvPr id="64" name="Google Shape;127;p4">
               <a:extLst>
                 <a:ext uri="{FF2B5EF4-FFF2-40B4-BE49-F238E27FC236}">
-                  <a16:creationId xmlns="" xmlns:a16="http://schemas.microsoft.com/office/drawing/2014/main" id="{52F47E68-BBBA-4D50-92F9-0A84552519B8}"/>
+                  <a16:creationId xmlns:a16="http://schemas.microsoft.com/office/drawing/2014/main" xmlns="" id="{52F47E68-BBBA-4D50-92F9-0A84552519B8}"/>
                 </a:ext>
               </a:extLst>
             </p:cNvPr>
@@ -7541,7 +7541,7 @@
           <p:cNvPr id="28" name="Google Shape;125;p4">
             <a:extLst>
               <a:ext uri="{FF2B5EF4-FFF2-40B4-BE49-F238E27FC236}">
-                <a16:creationId xmlns="" xmlns:a16="http://schemas.microsoft.com/office/drawing/2014/main" id="{60669A83-F90E-4A4C-BA00-13CC73D4042F}"/>
+                <a16:creationId xmlns:a16="http://schemas.microsoft.com/office/drawing/2014/main" xmlns="" id="{60669A83-F90E-4A4C-BA00-13CC73D4042F}"/>
               </a:ext>
             </a:extLst>
           </p:cNvPr>
@@ -7795,7 +7795,7 @@
           <p:cNvPr id="21" name="Google Shape;125;p4">
             <a:extLst>
               <a:ext uri="{FF2B5EF4-FFF2-40B4-BE49-F238E27FC236}">
-                <a16:creationId xmlns="" xmlns:a16="http://schemas.microsoft.com/office/drawing/2014/main" id="{60669A83-F90E-4A4C-BA00-13CC73D4042F}"/>
+                <a16:creationId xmlns:a16="http://schemas.microsoft.com/office/drawing/2014/main" xmlns="" id="{60669A83-F90E-4A4C-BA00-13CC73D4042F}"/>
               </a:ext>
             </a:extLst>
           </p:cNvPr>
@@ -7968,7 +7968,7 @@
           <p:cNvPr id="65" name="Группа 64">
             <a:extLst>
               <a:ext uri="{FF2B5EF4-FFF2-40B4-BE49-F238E27FC236}">
-                <a16:creationId xmlns="" xmlns:a16="http://schemas.microsoft.com/office/drawing/2014/main" id="{9280711C-2262-4089-92EE-9BEACCC60C4C}"/>
+                <a16:creationId xmlns:a16="http://schemas.microsoft.com/office/drawing/2014/main" xmlns="" id="{9280711C-2262-4089-92EE-9BEACCC60C4C}"/>
               </a:ext>
             </a:extLst>
           </p:cNvPr>
@@ -7988,7 +7988,7 @@
             <p:cNvPr id="68" name="Прямоугольник 67">
               <a:extLst>
                 <a:ext uri="{FF2B5EF4-FFF2-40B4-BE49-F238E27FC236}">
-                  <a16:creationId xmlns="" xmlns:a16="http://schemas.microsoft.com/office/drawing/2014/main" id="{E2535886-3476-4B40-9706-6797B77905C0}"/>
+                  <a16:creationId xmlns:a16="http://schemas.microsoft.com/office/drawing/2014/main" xmlns="" id="{E2535886-3476-4B40-9706-6797B77905C0}"/>
                 </a:ext>
               </a:extLst>
             </p:cNvPr>
@@ -8060,7 +8060,7 @@
             <p:cNvPr id="69" name="Прямоугольник 58">
               <a:extLst>
                 <a:ext uri="{FF2B5EF4-FFF2-40B4-BE49-F238E27FC236}">
-                  <a16:creationId xmlns="" xmlns:a16="http://schemas.microsoft.com/office/drawing/2014/main" id="{96789138-2397-49AA-BF3A-A6B5B90E8840}"/>
+                  <a16:creationId xmlns:a16="http://schemas.microsoft.com/office/drawing/2014/main" xmlns="" id="{96789138-2397-49AA-BF3A-A6B5B90E8840}"/>
                 </a:ext>
               </a:extLst>
             </p:cNvPr>
@@ -8197,7 +8197,7 @@
             <p:cNvPr id="70" name="Прямоугольник 58">
               <a:extLst>
                 <a:ext uri="{FF2B5EF4-FFF2-40B4-BE49-F238E27FC236}">
-                  <a16:creationId xmlns="" xmlns:a16="http://schemas.microsoft.com/office/drawing/2014/main" id="{DA239952-60E1-45EB-BDF0-422CC4CF7E42}"/>
+                  <a16:creationId xmlns:a16="http://schemas.microsoft.com/office/drawing/2014/main" xmlns="" id="{DA239952-60E1-45EB-BDF0-422CC4CF7E42}"/>
                 </a:ext>
               </a:extLst>
             </p:cNvPr>
@@ -8340,7 +8340,7 @@
           <p:cNvPr id="4" name="Номер слайда 3">
             <a:extLst>
               <a:ext uri="{FF2B5EF4-FFF2-40B4-BE49-F238E27FC236}">
-                <a16:creationId xmlns="" xmlns:a16="http://schemas.microsoft.com/office/drawing/2014/main" id="{06555008-558A-4705-ADA6-A99A535D9A16}"/>
+                <a16:creationId xmlns:a16="http://schemas.microsoft.com/office/drawing/2014/main" xmlns="" id="{06555008-558A-4705-ADA6-A99A535D9A16}"/>
               </a:ext>
             </a:extLst>
           </p:cNvPr>
@@ -8378,7 +8378,7 @@
           <p:cNvPr id="11" name="Google Shape;125;p4">
             <a:extLst>
               <a:ext uri="{FF2B5EF4-FFF2-40B4-BE49-F238E27FC236}">
-                <a16:creationId xmlns="" xmlns:a16="http://schemas.microsoft.com/office/drawing/2014/main" id="{60669A83-F90E-4A4C-BA00-13CC73D4042F}"/>
+                <a16:creationId xmlns:a16="http://schemas.microsoft.com/office/drawing/2014/main" xmlns="" id="{60669A83-F90E-4A4C-BA00-13CC73D4042F}"/>
               </a:ext>
             </a:extLst>
           </p:cNvPr>
@@ -8454,7 +8454,7 @@
             <p:cNvPr id="60" name="Группа 59">
               <a:extLst>
                 <a:ext uri="{FF2B5EF4-FFF2-40B4-BE49-F238E27FC236}">
-                  <a16:creationId xmlns="" xmlns:a16="http://schemas.microsoft.com/office/drawing/2014/main" id="{CEB208F7-621F-4826-AC02-D9ACF56C2556}"/>
+                  <a16:creationId xmlns:a16="http://schemas.microsoft.com/office/drawing/2014/main" xmlns="" id="{CEB208F7-621F-4826-AC02-D9ACF56C2556}"/>
                 </a:ext>
               </a:extLst>
             </p:cNvPr>
@@ -8474,7 +8474,7 @@
               <p:cNvPr id="61" name="Google Shape;123;p4">
                 <a:extLst>
                   <a:ext uri="{FF2B5EF4-FFF2-40B4-BE49-F238E27FC236}">
-                    <a16:creationId xmlns="" xmlns:a16="http://schemas.microsoft.com/office/drawing/2014/main" id="{C80DFF66-7760-463A-A6E3-7A4A06739A6B}"/>
+                    <a16:creationId xmlns:a16="http://schemas.microsoft.com/office/drawing/2014/main" xmlns="" id="{C80DFF66-7760-463A-A6E3-7A4A06739A6B}"/>
                   </a:ext>
                 </a:extLst>
               </p:cNvPr>
@@ -8508,7 +8508,7 @@
               <p:cNvPr id="62" name="Google Shape;124;p4">
                 <a:extLst>
                   <a:ext uri="{FF2B5EF4-FFF2-40B4-BE49-F238E27FC236}">
-                    <a16:creationId xmlns="" xmlns:a16="http://schemas.microsoft.com/office/drawing/2014/main" id="{537A8DBB-64CB-4C54-9816-C8AB9CEF9F83}"/>
+                    <a16:creationId xmlns:a16="http://schemas.microsoft.com/office/drawing/2014/main" xmlns="" id="{537A8DBB-64CB-4C54-9816-C8AB9CEF9F83}"/>
                   </a:ext>
                 </a:extLst>
               </p:cNvPr>
@@ -8542,7 +8542,7 @@
               <p:cNvPr id="63" name="Google Shape;126;p4">
                 <a:extLst>
                   <a:ext uri="{FF2B5EF4-FFF2-40B4-BE49-F238E27FC236}">
-                    <a16:creationId xmlns="" xmlns:a16="http://schemas.microsoft.com/office/drawing/2014/main" id="{5EA94F71-5A4A-461B-84A6-89FA43FE7B61}"/>
+                    <a16:creationId xmlns:a16="http://schemas.microsoft.com/office/drawing/2014/main" xmlns="" id="{5EA94F71-5A4A-461B-84A6-89FA43FE7B61}"/>
                   </a:ext>
                 </a:extLst>
               </p:cNvPr>
@@ -8577,7 +8577,7 @@
             <p:cNvPr id="64" name="Google Shape;127;p4">
               <a:extLst>
                 <a:ext uri="{FF2B5EF4-FFF2-40B4-BE49-F238E27FC236}">
-                  <a16:creationId xmlns="" xmlns:a16="http://schemas.microsoft.com/office/drawing/2014/main" id="{52F47E68-BBBA-4D50-92F9-0A84552519B8}"/>
+                  <a16:creationId xmlns:a16="http://schemas.microsoft.com/office/drawing/2014/main" xmlns="" id="{52F47E68-BBBA-4D50-92F9-0A84552519B8}"/>
                 </a:ext>
               </a:extLst>
             </p:cNvPr>
@@ -8639,7 +8639,7 @@
           <p:cNvPr id="28" name="Google Shape;125;p4">
             <a:extLst>
               <a:ext uri="{FF2B5EF4-FFF2-40B4-BE49-F238E27FC236}">
-                <a16:creationId xmlns="" xmlns:a16="http://schemas.microsoft.com/office/drawing/2014/main" id="{60669A83-F90E-4A4C-BA00-13CC73D4042F}"/>
+                <a16:creationId xmlns:a16="http://schemas.microsoft.com/office/drawing/2014/main" xmlns="" id="{60669A83-F90E-4A4C-BA00-13CC73D4042F}"/>
               </a:ext>
             </a:extLst>
           </p:cNvPr>
@@ -9009,7 +9009,7 @@
           <p:cNvPr id="65" name="Группа 64">
             <a:extLst>
               <a:ext uri="{FF2B5EF4-FFF2-40B4-BE49-F238E27FC236}">
-                <a16:creationId xmlns="" xmlns:a16="http://schemas.microsoft.com/office/drawing/2014/main" id="{9280711C-2262-4089-92EE-9BEACCC60C4C}"/>
+                <a16:creationId xmlns:a16="http://schemas.microsoft.com/office/drawing/2014/main" xmlns="" id="{9280711C-2262-4089-92EE-9BEACCC60C4C}"/>
               </a:ext>
             </a:extLst>
           </p:cNvPr>
@@ -9029,7 +9029,7 @@
             <p:cNvPr id="68" name="Прямоугольник 67">
               <a:extLst>
                 <a:ext uri="{FF2B5EF4-FFF2-40B4-BE49-F238E27FC236}">
-                  <a16:creationId xmlns="" xmlns:a16="http://schemas.microsoft.com/office/drawing/2014/main" id="{E2535886-3476-4B40-9706-6797B77905C0}"/>
+                  <a16:creationId xmlns:a16="http://schemas.microsoft.com/office/drawing/2014/main" xmlns="" id="{E2535886-3476-4B40-9706-6797B77905C0}"/>
                 </a:ext>
               </a:extLst>
             </p:cNvPr>
@@ -9101,7 +9101,7 @@
             <p:cNvPr id="69" name="Прямоугольник 58">
               <a:extLst>
                 <a:ext uri="{FF2B5EF4-FFF2-40B4-BE49-F238E27FC236}">
-                  <a16:creationId xmlns="" xmlns:a16="http://schemas.microsoft.com/office/drawing/2014/main" id="{96789138-2397-49AA-BF3A-A6B5B90E8840}"/>
+                  <a16:creationId xmlns:a16="http://schemas.microsoft.com/office/drawing/2014/main" xmlns="" id="{96789138-2397-49AA-BF3A-A6B5B90E8840}"/>
                 </a:ext>
               </a:extLst>
             </p:cNvPr>
@@ -9238,7 +9238,7 @@
             <p:cNvPr id="70" name="Прямоугольник 58">
               <a:extLst>
                 <a:ext uri="{FF2B5EF4-FFF2-40B4-BE49-F238E27FC236}">
-                  <a16:creationId xmlns="" xmlns:a16="http://schemas.microsoft.com/office/drawing/2014/main" id="{DA239952-60E1-45EB-BDF0-422CC4CF7E42}"/>
+                  <a16:creationId xmlns:a16="http://schemas.microsoft.com/office/drawing/2014/main" xmlns="" id="{DA239952-60E1-45EB-BDF0-422CC4CF7E42}"/>
                 </a:ext>
               </a:extLst>
             </p:cNvPr>
@@ -9381,7 +9381,7 @@
           <p:cNvPr id="4" name="Номер слайда 3">
             <a:extLst>
               <a:ext uri="{FF2B5EF4-FFF2-40B4-BE49-F238E27FC236}">
-                <a16:creationId xmlns="" xmlns:a16="http://schemas.microsoft.com/office/drawing/2014/main" id="{06555008-558A-4705-ADA6-A99A535D9A16}"/>
+                <a16:creationId xmlns:a16="http://schemas.microsoft.com/office/drawing/2014/main" xmlns="" id="{06555008-558A-4705-ADA6-A99A535D9A16}"/>
               </a:ext>
             </a:extLst>
           </p:cNvPr>
@@ -9419,7 +9419,7 @@
           <p:cNvPr id="11" name="Google Shape;125;p4">
             <a:extLst>
               <a:ext uri="{FF2B5EF4-FFF2-40B4-BE49-F238E27FC236}">
-                <a16:creationId xmlns="" xmlns:a16="http://schemas.microsoft.com/office/drawing/2014/main" id="{60669A83-F90E-4A4C-BA00-13CC73D4042F}"/>
+                <a16:creationId xmlns:a16="http://schemas.microsoft.com/office/drawing/2014/main" xmlns="" id="{60669A83-F90E-4A4C-BA00-13CC73D4042F}"/>
               </a:ext>
             </a:extLst>
           </p:cNvPr>
@@ -9489,7 +9489,7 @@
             <p:cNvPr id="60" name="Группа 59">
               <a:extLst>
                 <a:ext uri="{FF2B5EF4-FFF2-40B4-BE49-F238E27FC236}">
-                  <a16:creationId xmlns="" xmlns:a16="http://schemas.microsoft.com/office/drawing/2014/main" id="{CEB208F7-621F-4826-AC02-D9ACF56C2556}"/>
+                  <a16:creationId xmlns:a16="http://schemas.microsoft.com/office/drawing/2014/main" xmlns="" id="{CEB208F7-621F-4826-AC02-D9ACF56C2556}"/>
                 </a:ext>
               </a:extLst>
             </p:cNvPr>
@@ -9509,7 +9509,7 @@
               <p:cNvPr id="61" name="Google Shape;123;p4">
                 <a:extLst>
                   <a:ext uri="{FF2B5EF4-FFF2-40B4-BE49-F238E27FC236}">
-                    <a16:creationId xmlns="" xmlns:a16="http://schemas.microsoft.com/office/drawing/2014/main" id="{C80DFF66-7760-463A-A6E3-7A4A06739A6B}"/>
+                    <a16:creationId xmlns:a16="http://schemas.microsoft.com/office/drawing/2014/main" xmlns="" id="{C80DFF66-7760-463A-A6E3-7A4A06739A6B}"/>
                   </a:ext>
                 </a:extLst>
               </p:cNvPr>
@@ -9543,7 +9543,7 @@
               <p:cNvPr id="62" name="Google Shape;124;p4">
                 <a:extLst>
                   <a:ext uri="{FF2B5EF4-FFF2-40B4-BE49-F238E27FC236}">
-                    <a16:creationId xmlns="" xmlns:a16="http://schemas.microsoft.com/office/drawing/2014/main" id="{537A8DBB-64CB-4C54-9816-C8AB9CEF9F83}"/>
+                    <a16:creationId xmlns:a16="http://schemas.microsoft.com/office/drawing/2014/main" xmlns="" id="{537A8DBB-64CB-4C54-9816-C8AB9CEF9F83}"/>
                   </a:ext>
                 </a:extLst>
               </p:cNvPr>
@@ -9577,7 +9577,7 @@
               <p:cNvPr id="63" name="Google Shape;126;p4">
                 <a:extLst>
                   <a:ext uri="{FF2B5EF4-FFF2-40B4-BE49-F238E27FC236}">
-                    <a16:creationId xmlns="" xmlns:a16="http://schemas.microsoft.com/office/drawing/2014/main" id="{5EA94F71-5A4A-461B-84A6-89FA43FE7B61}"/>
+                    <a16:creationId xmlns:a16="http://schemas.microsoft.com/office/drawing/2014/main" xmlns="" id="{5EA94F71-5A4A-461B-84A6-89FA43FE7B61}"/>
                   </a:ext>
                 </a:extLst>
               </p:cNvPr>
@@ -9612,7 +9612,7 @@
             <p:cNvPr id="64" name="Google Shape;127;p4">
               <a:extLst>
                 <a:ext uri="{FF2B5EF4-FFF2-40B4-BE49-F238E27FC236}">
-                  <a16:creationId xmlns="" xmlns:a16="http://schemas.microsoft.com/office/drawing/2014/main" id="{52F47E68-BBBA-4D50-92F9-0A84552519B8}"/>
+                  <a16:creationId xmlns:a16="http://schemas.microsoft.com/office/drawing/2014/main" xmlns="" id="{52F47E68-BBBA-4D50-92F9-0A84552519B8}"/>
                 </a:ext>
               </a:extLst>
             </p:cNvPr>
@@ -9674,7 +9674,7 @@
           <p:cNvPr id="28" name="Google Shape;125;p4">
             <a:extLst>
               <a:ext uri="{FF2B5EF4-FFF2-40B4-BE49-F238E27FC236}">
-                <a16:creationId xmlns="" xmlns:a16="http://schemas.microsoft.com/office/drawing/2014/main" id="{60669A83-F90E-4A4C-BA00-13CC73D4042F}"/>
+                <a16:creationId xmlns:a16="http://schemas.microsoft.com/office/drawing/2014/main" xmlns="" id="{60669A83-F90E-4A4C-BA00-13CC73D4042F}"/>
               </a:ext>
             </a:extLst>
           </p:cNvPr>
@@ -10119,7 +10119,7 @@
           <p:cNvPr id="65" name="Группа 64">
             <a:extLst>
               <a:ext uri="{FF2B5EF4-FFF2-40B4-BE49-F238E27FC236}">
-                <a16:creationId xmlns="" xmlns:a16="http://schemas.microsoft.com/office/drawing/2014/main" id="{9280711C-2262-4089-92EE-9BEACCC60C4C}"/>
+                <a16:creationId xmlns:a16="http://schemas.microsoft.com/office/drawing/2014/main" xmlns="" id="{9280711C-2262-4089-92EE-9BEACCC60C4C}"/>
               </a:ext>
             </a:extLst>
           </p:cNvPr>
@@ -10139,7 +10139,7 @@
             <p:cNvPr id="68" name="Прямоугольник 67">
               <a:extLst>
                 <a:ext uri="{FF2B5EF4-FFF2-40B4-BE49-F238E27FC236}">
-                  <a16:creationId xmlns="" xmlns:a16="http://schemas.microsoft.com/office/drawing/2014/main" id="{E2535886-3476-4B40-9706-6797B77905C0}"/>
+                  <a16:creationId xmlns:a16="http://schemas.microsoft.com/office/drawing/2014/main" xmlns="" id="{E2535886-3476-4B40-9706-6797B77905C0}"/>
                 </a:ext>
               </a:extLst>
             </p:cNvPr>
@@ -10211,7 +10211,7 @@
             <p:cNvPr id="69" name="Прямоугольник 58">
               <a:extLst>
                 <a:ext uri="{FF2B5EF4-FFF2-40B4-BE49-F238E27FC236}">
-                  <a16:creationId xmlns="" xmlns:a16="http://schemas.microsoft.com/office/drawing/2014/main" id="{96789138-2397-49AA-BF3A-A6B5B90E8840}"/>
+                  <a16:creationId xmlns:a16="http://schemas.microsoft.com/office/drawing/2014/main" xmlns="" id="{96789138-2397-49AA-BF3A-A6B5B90E8840}"/>
                 </a:ext>
               </a:extLst>
             </p:cNvPr>
@@ -10348,7 +10348,7 @@
             <p:cNvPr id="70" name="Прямоугольник 58">
               <a:extLst>
                 <a:ext uri="{FF2B5EF4-FFF2-40B4-BE49-F238E27FC236}">
-                  <a16:creationId xmlns="" xmlns:a16="http://schemas.microsoft.com/office/drawing/2014/main" id="{DA239952-60E1-45EB-BDF0-422CC4CF7E42}"/>
+                  <a16:creationId xmlns:a16="http://schemas.microsoft.com/office/drawing/2014/main" xmlns="" id="{DA239952-60E1-45EB-BDF0-422CC4CF7E42}"/>
                 </a:ext>
               </a:extLst>
             </p:cNvPr>
@@ -10491,7 +10491,7 @@
           <p:cNvPr id="4" name="Номер слайда 3">
             <a:extLst>
               <a:ext uri="{FF2B5EF4-FFF2-40B4-BE49-F238E27FC236}">
-                <a16:creationId xmlns="" xmlns:a16="http://schemas.microsoft.com/office/drawing/2014/main" id="{06555008-558A-4705-ADA6-A99A535D9A16}"/>
+                <a16:creationId xmlns:a16="http://schemas.microsoft.com/office/drawing/2014/main" xmlns="" id="{06555008-558A-4705-ADA6-A99A535D9A16}"/>
               </a:ext>
             </a:extLst>
           </p:cNvPr>
@@ -10529,7 +10529,7 @@
           <p:cNvPr id="11" name="Google Shape;125;p4">
             <a:extLst>
               <a:ext uri="{FF2B5EF4-FFF2-40B4-BE49-F238E27FC236}">
-                <a16:creationId xmlns="" xmlns:a16="http://schemas.microsoft.com/office/drawing/2014/main" id="{60669A83-F90E-4A4C-BA00-13CC73D4042F}"/>
+                <a16:creationId xmlns:a16="http://schemas.microsoft.com/office/drawing/2014/main" xmlns="" id="{60669A83-F90E-4A4C-BA00-13CC73D4042F}"/>
               </a:ext>
             </a:extLst>
           </p:cNvPr>
@@ -10623,7 +10623,7 @@
             <p:cNvPr id="36" name="Группа 35">
               <a:extLst>
                 <a:ext uri="{FF2B5EF4-FFF2-40B4-BE49-F238E27FC236}">
-                  <a16:creationId xmlns="" xmlns:a16="http://schemas.microsoft.com/office/drawing/2014/main" id="{066B2AF8-B3BB-4E6C-B4EF-BA91A7149C6E}"/>
+                  <a16:creationId xmlns:a16="http://schemas.microsoft.com/office/drawing/2014/main" xmlns="" id="{066B2AF8-B3BB-4E6C-B4EF-BA91A7149C6E}"/>
                 </a:ext>
               </a:extLst>
             </p:cNvPr>
@@ -10643,7 +10643,7 @@
               <p:cNvPr id="37" name="Google Shape;123;p4">
                 <a:extLst>
                   <a:ext uri="{FF2B5EF4-FFF2-40B4-BE49-F238E27FC236}">
-                    <a16:creationId xmlns="" xmlns:a16="http://schemas.microsoft.com/office/drawing/2014/main" id="{B2BB743C-20D7-4E69-AAE1-54C42970370B}"/>
+                    <a16:creationId xmlns:a16="http://schemas.microsoft.com/office/drawing/2014/main" xmlns="" id="{B2BB743C-20D7-4E69-AAE1-54C42970370B}"/>
                   </a:ext>
                 </a:extLst>
               </p:cNvPr>
@@ -10677,7 +10677,7 @@
               <p:cNvPr id="38" name="Google Shape;124;p4">
                 <a:extLst>
                   <a:ext uri="{FF2B5EF4-FFF2-40B4-BE49-F238E27FC236}">
-                    <a16:creationId xmlns="" xmlns:a16="http://schemas.microsoft.com/office/drawing/2014/main" id="{A09E8948-234F-49EF-B8ED-B3C480E04917}"/>
+                    <a16:creationId xmlns:a16="http://schemas.microsoft.com/office/drawing/2014/main" xmlns="" id="{A09E8948-234F-49EF-B8ED-B3C480E04917}"/>
                   </a:ext>
                 </a:extLst>
               </p:cNvPr>
@@ -10711,7 +10711,7 @@
               <p:cNvPr id="39" name="Google Shape;126;p4">
                 <a:extLst>
                   <a:ext uri="{FF2B5EF4-FFF2-40B4-BE49-F238E27FC236}">
-                    <a16:creationId xmlns="" xmlns:a16="http://schemas.microsoft.com/office/drawing/2014/main" id="{DE776E1C-0C20-43D2-8A38-628879EB82A4}"/>
+                    <a16:creationId xmlns:a16="http://schemas.microsoft.com/office/drawing/2014/main" xmlns="" id="{DE776E1C-0C20-43D2-8A38-628879EB82A4}"/>
                   </a:ext>
                 </a:extLst>
               </p:cNvPr>
@@ -10746,7 +10746,7 @@
             <p:cNvPr id="53" name="Google Shape;127;p4">
               <a:extLst>
                 <a:ext uri="{FF2B5EF4-FFF2-40B4-BE49-F238E27FC236}">
-                  <a16:creationId xmlns="" xmlns:a16="http://schemas.microsoft.com/office/drawing/2014/main" id="{BCF65B5B-0337-4C73-B9BB-A05F6916D064}"/>
+                  <a16:creationId xmlns:a16="http://schemas.microsoft.com/office/drawing/2014/main" xmlns="" id="{BCF65B5B-0337-4C73-B9BB-A05F6916D064}"/>
                 </a:ext>
               </a:extLst>
             </p:cNvPr>
@@ -10825,7 +10825,7 @@
             <p:cNvPr id="60" name="Группа 59">
               <a:extLst>
                 <a:ext uri="{FF2B5EF4-FFF2-40B4-BE49-F238E27FC236}">
-                  <a16:creationId xmlns="" xmlns:a16="http://schemas.microsoft.com/office/drawing/2014/main" id="{CEB208F7-621F-4826-AC02-D9ACF56C2556}"/>
+                  <a16:creationId xmlns:a16="http://schemas.microsoft.com/office/drawing/2014/main" xmlns="" id="{CEB208F7-621F-4826-AC02-D9ACF56C2556}"/>
                 </a:ext>
               </a:extLst>
             </p:cNvPr>
@@ -10845,7 +10845,7 @@
               <p:cNvPr id="61" name="Google Shape;123;p4">
                 <a:extLst>
                   <a:ext uri="{FF2B5EF4-FFF2-40B4-BE49-F238E27FC236}">
-                    <a16:creationId xmlns="" xmlns:a16="http://schemas.microsoft.com/office/drawing/2014/main" id="{C80DFF66-7760-463A-A6E3-7A4A06739A6B}"/>
+                    <a16:creationId xmlns:a16="http://schemas.microsoft.com/office/drawing/2014/main" xmlns="" id="{C80DFF66-7760-463A-A6E3-7A4A06739A6B}"/>
                   </a:ext>
                 </a:extLst>
               </p:cNvPr>
@@ -10879,7 +10879,7 @@
               <p:cNvPr id="62" name="Google Shape;124;p4">
                 <a:extLst>
                   <a:ext uri="{FF2B5EF4-FFF2-40B4-BE49-F238E27FC236}">
-                    <a16:creationId xmlns="" xmlns:a16="http://schemas.microsoft.com/office/drawing/2014/main" id="{537A8DBB-64CB-4C54-9816-C8AB9CEF9F83}"/>
+                    <a16:creationId xmlns:a16="http://schemas.microsoft.com/office/drawing/2014/main" xmlns="" id="{537A8DBB-64CB-4C54-9816-C8AB9CEF9F83}"/>
                   </a:ext>
                 </a:extLst>
               </p:cNvPr>
@@ -10913,7 +10913,7 @@
               <p:cNvPr id="63" name="Google Shape;126;p4">
                 <a:extLst>
                   <a:ext uri="{FF2B5EF4-FFF2-40B4-BE49-F238E27FC236}">
-                    <a16:creationId xmlns="" xmlns:a16="http://schemas.microsoft.com/office/drawing/2014/main" id="{5EA94F71-5A4A-461B-84A6-89FA43FE7B61}"/>
+                    <a16:creationId xmlns:a16="http://schemas.microsoft.com/office/drawing/2014/main" xmlns="" id="{5EA94F71-5A4A-461B-84A6-89FA43FE7B61}"/>
                   </a:ext>
                 </a:extLst>
               </p:cNvPr>
@@ -10948,7 +10948,7 @@
             <p:cNvPr id="64" name="Google Shape;127;p4">
               <a:extLst>
                 <a:ext uri="{FF2B5EF4-FFF2-40B4-BE49-F238E27FC236}">
-                  <a16:creationId xmlns="" xmlns:a16="http://schemas.microsoft.com/office/drawing/2014/main" id="{52F47E68-BBBA-4D50-92F9-0A84552519B8}"/>
+                  <a16:creationId xmlns:a16="http://schemas.microsoft.com/office/drawing/2014/main" xmlns="" id="{52F47E68-BBBA-4D50-92F9-0A84552519B8}"/>
                 </a:ext>
               </a:extLst>
             </p:cNvPr>
@@ -11013,7 +11013,7 @@
           <p:cNvPr id="66" name="Google Shape;125;p4">
             <a:extLst>
               <a:ext uri="{FF2B5EF4-FFF2-40B4-BE49-F238E27FC236}">
-                <a16:creationId xmlns="" xmlns:a16="http://schemas.microsoft.com/office/drawing/2014/main" id="{60669A83-F90E-4A4C-BA00-13CC73D4042F}"/>
+                <a16:creationId xmlns:a16="http://schemas.microsoft.com/office/drawing/2014/main" xmlns="" id="{60669A83-F90E-4A4C-BA00-13CC73D4042F}"/>
               </a:ext>
             </a:extLst>
           </p:cNvPr>
@@ -11069,7 +11069,7 @@
           <p:cNvPr id="67" name="Google Shape;125;p4">
             <a:extLst>
               <a:ext uri="{FF2B5EF4-FFF2-40B4-BE49-F238E27FC236}">
-                <a16:creationId xmlns="" xmlns:a16="http://schemas.microsoft.com/office/drawing/2014/main" id="{60669A83-F90E-4A4C-BA00-13CC73D4042F}"/>
+                <a16:creationId xmlns:a16="http://schemas.microsoft.com/office/drawing/2014/main" xmlns="" id="{60669A83-F90E-4A4C-BA00-13CC73D4042F}"/>
               </a:ext>
             </a:extLst>
           </p:cNvPr>
@@ -11221,7 +11221,7 @@
           <p:cNvPr id="25" name="Google Shape;125;p4">
             <a:extLst>
               <a:ext uri="{FF2B5EF4-FFF2-40B4-BE49-F238E27FC236}">
-                <a16:creationId xmlns="" xmlns:a16="http://schemas.microsoft.com/office/drawing/2014/main" id="{60669A83-F90E-4A4C-BA00-13CC73D4042F}"/>
+                <a16:creationId xmlns:a16="http://schemas.microsoft.com/office/drawing/2014/main" xmlns="" id="{60669A83-F90E-4A4C-BA00-13CC73D4042F}"/>
               </a:ext>
             </a:extLst>
           </p:cNvPr>
@@ -11291,7 +11291,7 @@
             <p:cNvPr id="27" name="Группа 26">
               <a:extLst>
                 <a:ext uri="{FF2B5EF4-FFF2-40B4-BE49-F238E27FC236}">
-                  <a16:creationId xmlns="" xmlns:a16="http://schemas.microsoft.com/office/drawing/2014/main" id="{CEB208F7-621F-4826-AC02-D9ACF56C2556}"/>
+                  <a16:creationId xmlns:a16="http://schemas.microsoft.com/office/drawing/2014/main" xmlns="" id="{CEB208F7-621F-4826-AC02-D9ACF56C2556}"/>
                 </a:ext>
               </a:extLst>
             </p:cNvPr>
@@ -11311,7 +11311,7 @@
               <p:cNvPr id="29" name="Google Shape;123;p4">
                 <a:extLst>
                   <a:ext uri="{FF2B5EF4-FFF2-40B4-BE49-F238E27FC236}">
-                    <a16:creationId xmlns="" xmlns:a16="http://schemas.microsoft.com/office/drawing/2014/main" id="{C80DFF66-7760-463A-A6E3-7A4A06739A6B}"/>
+                    <a16:creationId xmlns:a16="http://schemas.microsoft.com/office/drawing/2014/main" xmlns="" id="{C80DFF66-7760-463A-A6E3-7A4A06739A6B}"/>
                   </a:ext>
                 </a:extLst>
               </p:cNvPr>
@@ -11345,7 +11345,7 @@
               <p:cNvPr id="30" name="Google Shape;124;p4">
                 <a:extLst>
                   <a:ext uri="{FF2B5EF4-FFF2-40B4-BE49-F238E27FC236}">
-                    <a16:creationId xmlns="" xmlns:a16="http://schemas.microsoft.com/office/drawing/2014/main" id="{537A8DBB-64CB-4C54-9816-C8AB9CEF9F83}"/>
+                    <a16:creationId xmlns:a16="http://schemas.microsoft.com/office/drawing/2014/main" xmlns="" id="{537A8DBB-64CB-4C54-9816-C8AB9CEF9F83}"/>
                   </a:ext>
                 </a:extLst>
               </p:cNvPr>
@@ -11379,7 +11379,7 @@
               <p:cNvPr id="31" name="Google Shape;126;p4">
                 <a:extLst>
                   <a:ext uri="{FF2B5EF4-FFF2-40B4-BE49-F238E27FC236}">
-                    <a16:creationId xmlns="" xmlns:a16="http://schemas.microsoft.com/office/drawing/2014/main" id="{5EA94F71-5A4A-461B-84A6-89FA43FE7B61}"/>
+                    <a16:creationId xmlns:a16="http://schemas.microsoft.com/office/drawing/2014/main" xmlns="" id="{5EA94F71-5A4A-461B-84A6-89FA43FE7B61}"/>
                   </a:ext>
                 </a:extLst>
               </p:cNvPr>
@@ -11414,7 +11414,7 @@
             <p:cNvPr id="28" name="Google Shape;127;p4">
               <a:extLst>
                 <a:ext uri="{FF2B5EF4-FFF2-40B4-BE49-F238E27FC236}">
-                  <a16:creationId xmlns="" xmlns:a16="http://schemas.microsoft.com/office/drawing/2014/main" id="{52F47E68-BBBA-4D50-92F9-0A84552519B8}"/>
+                  <a16:creationId xmlns:a16="http://schemas.microsoft.com/office/drawing/2014/main" xmlns="" id="{52F47E68-BBBA-4D50-92F9-0A84552519B8}"/>
                 </a:ext>
               </a:extLst>
             </p:cNvPr>
@@ -11476,7 +11476,7 @@
           <p:cNvPr id="32" name="Google Shape;125;p4">
             <a:extLst>
               <a:ext uri="{FF2B5EF4-FFF2-40B4-BE49-F238E27FC236}">
-                <a16:creationId xmlns="" xmlns:a16="http://schemas.microsoft.com/office/drawing/2014/main" id="{60669A83-F90E-4A4C-BA00-13CC73D4042F}"/>
+                <a16:creationId xmlns:a16="http://schemas.microsoft.com/office/drawing/2014/main" xmlns="" id="{60669A83-F90E-4A4C-BA00-13CC73D4042F}"/>
               </a:ext>
             </a:extLst>
           </p:cNvPr>
@@ -11701,7 +11701,7 @@
           <p:cNvPr id="65" name="Группа 64">
             <a:extLst>
               <a:ext uri="{FF2B5EF4-FFF2-40B4-BE49-F238E27FC236}">
-                <a16:creationId xmlns="" xmlns:a16="http://schemas.microsoft.com/office/drawing/2014/main" id="{9280711C-2262-4089-92EE-9BEACCC60C4C}"/>
+                <a16:creationId xmlns:a16="http://schemas.microsoft.com/office/drawing/2014/main" xmlns="" id="{9280711C-2262-4089-92EE-9BEACCC60C4C}"/>
               </a:ext>
             </a:extLst>
           </p:cNvPr>
@@ -11721,7 +11721,7 @@
             <p:cNvPr id="68" name="Прямоугольник 67">
               <a:extLst>
                 <a:ext uri="{FF2B5EF4-FFF2-40B4-BE49-F238E27FC236}">
-                  <a16:creationId xmlns="" xmlns:a16="http://schemas.microsoft.com/office/drawing/2014/main" id="{E2535886-3476-4B40-9706-6797B77905C0}"/>
+                  <a16:creationId xmlns:a16="http://schemas.microsoft.com/office/drawing/2014/main" xmlns="" id="{E2535886-3476-4B40-9706-6797B77905C0}"/>
                 </a:ext>
               </a:extLst>
             </p:cNvPr>
@@ -11793,7 +11793,7 @@
             <p:cNvPr id="69" name="Прямоугольник 58">
               <a:extLst>
                 <a:ext uri="{FF2B5EF4-FFF2-40B4-BE49-F238E27FC236}">
-                  <a16:creationId xmlns="" xmlns:a16="http://schemas.microsoft.com/office/drawing/2014/main" id="{96789138-2397-49AA-BF3A-A6B5B90E8840}"/>
+                  <a16:creationId xmlns:a16="http://schemas.microsoft.com/office/drawing/2014/main" xmlns="" id="{96789138-2397-49AA-BF3A-A6B5B90E8840}"/>
                 </a:ext>
               </a:extLst>
             </p:cNvPr>
@@ -11930,7 +11930,7 @@
             <p:cNvPr id="70" name="Прямоугольник 58">
               <a:extLst>
                 <a:ext uri="{FF2B5EF4-FFF2-40B4-BE49-F238E27FC236}">
-                  <a16:creationId xmlns="" xmlns:a16="http://schemas.microsoft.com/office/drawing/2014/main" id="{DA239952-60E1-45EB-BDF0-422CC4CF7E42}"/>
+                  <a16:creationId xmlns:a16="http://schemas.microsoft.com/office/drawing/2014/main" xmlns="" id="{DA239952-60E1-45EB-BDF0-422CC4CF7E42}"/>
                 </a:ext>
               </a:extLst>
             </p:cNvPr>
@@ -12073,7 +12073,7 @@
           <p:cNvPr id="4" name="Номер слайда 3">
             <a:extLst>
               <a:ext uri="{FF2B5EF4-FFF2-40B4-BE49-F238E27FC236}">
-                <a16:creationId xmlns="" xmlns:a16="http://schemas.microsoft.com/office/drawing/2014/main" id="{06555008-558A-4705-ADA6-A99A535D9A16}"/>
+                <a16:creationId xmlns:a16="http://schemas.microsoft.com/office/drawing/2014/main" xmlns="" id="{06555008-558A-4705-ADA6-A99A535D9A16}"/>
               </a:ext>
             </a:extLst>
           </p:cNvPr>
@@ -12111,7 +12111,7 @@
           <p:cNvPr id="11" name="Google Shape;125;p4">
             <a:extLst>
               <a:ext uri="{FF2B5EF4-FFF2-40B4-BE49-F238E27FC236}">
-                <a16:creationId xmlns="" xmlns:a16="http://schemas.microsoft.com/office/drawing/2014/main" id="{60669A83-F90E-4A4C-BA00-13CC73D4042F}"/>
+                <a16:creationId xmlns:a16="http://schemas.microsoft.com/office/drawing/2014/main" xmlns="" id="{60669A83-F90E-4A4C-BA00-13CC73D4042F}"/>
               </a:ext>
             </a:extLst>
           </p:cNvPr>
@@ -12205,7 +12205,7 @@
             <p:cNvPr id="36" name="Группа 35">
               <a:extLst>
                 <a:ext uri="{FF2B5EF4-FFF2-40B4-BE49-F238E27FC236}">
-                  <a16:creationId xmlns="" xmlns:a16="http://schemas.microsoft.com/office/drawing/2014/main" id="{066B2AF8-B3BB-4E6C-B4EF-BA91A7149C6E}"/>
+                  <a16:creationId xmlns:a16="http://schemas.microsoft.com/office/drawing/2014/main" xmlns="" id="{066B2AF8-B3BB-4E6C-B4EF-BA91A7149C6E}"/>
                 </a:ext>
               </a:extLst>
             </p:cNvPr>
@@ -12225,7 +12225,7 @@
               <p:cNvPr id="37" name="Google Shape;123;p4">
                 <a:extLst>
                   <a:ext uri="{FF2B5EF4-FFF2-40B4-BE49-F238E27FC236}">
-                    <a16:creationId xmlns="" xmlns:a16="http://schemas.microsoft.com/office/drawing/2014/main" id="{B2BB743C-20D7-4E69-AAE1-54C42970370B}"/>
+                    <a16:creationId xmlns:a16="http://schemas.microsoft.com/office/drawing/2014/main" xmlns="" id="{B2BB743C-20D7-4E69-AAE1-54C42970370B}"/>
                   </a:ext>
                 </a:extLst>
               </p:cNvPr>
@@ -12259,7 +12259,7 @@
               <p:cNvPr id="38" name="Google Shape;124;p4">
                 <a:extLst>
                   <a:ext uri="{FF2B5EF4-FFF2-40B4-BE49-F238E27FC236}">
-                    <a16:creationId xmlns="" xmlns:a16="http://schemas.microsoft.com/office/drawing/2014/main" id="{A09E8948-234F-49EF-B8ED-B3C480E04917}"/>
+                    <a16:creationId xmlns:a16="http://schemas.microsoft.com/office/drawing/2014/main" xmlns="" id="{A09E8948-234F-49EF-B8ED-B3C480E04917}"/>
                   </a:ext>
                 </a:extLst>
               </p:cNvPr>
@@ -12293,7 +12293,7 @@
               <p:cNvPr id="39" name="Google Shape;126;p4">
                 <a:extLst>
                   <a:ext uri="{FF2B5EF4-FFF2-40B4-BE49-F238E27FC236}">
-                    <a16:creationId xmlns="" xmlns:a16="http://schemas.microsoft.com/office/drawing/2014/main" id="{DE776E1C-0C20-43D2-8A38-628879EB82A4}"/>
+                    <a16:creationId xmlns:a16="http://schemas.microsoft.com/office/drawing/2014/main" xmlns="" id="{DE776E1C-0C20-43D2-8A38-628879EB82A4}"/>
                   </a:ext>
                 </a:extLst>
               </p:cNvPr>
@@ -12328,7 +12328,7 @@
             <p:cNvPr id="53" name="Google Shape;127;p4">
               <a:extLst>
                 <a:ext uri="{FF2B5EF4-FFF2-40B4-BE49-F238E27FC236}">
-                  <a16:creationId xmlns="" xmlns:a16="http://schemas.microsoft.com/office/drawing/2014/main" id="{BCF65B5B-0337-4C73-B9BB-A05F6916D064}"/>
+                  <a16:creationId xmlns:a16="http://schemas.microsoft.com/office/drawing/2014/main" xmlns="" id="{BCF65B5B-0337-4C73-B9BB-A05F6916D064}"/>
                 </a:ext>
               </a:extLst>
             </p:cNvPr>
@@ -12407,7 +12407,7 @@
             <p:cNvPr id="60" name="Группа 59">
               <a:extLst>
                 <a:ext uri="{FF2B5EF4-FFF2-40B4-BE49-F238E27FC236}">
-                  <a16:creationId xmlns="" xmlns:a16="http://schemas.microsoft.com/office/drawing/2014/main" id="{CEB208F7-621F-4826-AC02-D9ACF56C2556}"/>
+                  <a16:creationId xmlns:a16="http://schemas.microsoft.com/office/drawing/2014/main" xmlns="" id="{CEB208F7-621F-4826-AC02-D9ACF56C2556}"/>
                 </a:ext>
               </a:extLst>
             </p:cNvPr>
@@ -12427,7 +12427,7 @@
               <p:cNvPr id="61" name="Google Shape;123;p4">
                 <a:extLst>
                   <a:ext uri="{FF2B5EF4-FFF2-40B4-BE49-F238E27FC236}">
-                    <a16:creationId xmlns="" xmlns:a16="http://schemas.microsoft.com/office/drawing/2014/main" id="{C80DFF66-7760-463A-A6E3-7A4A06739A6B}"/>
+                    <a16:creationId xmlns:a16="http://schemas.microsoft.com/office/drawing/2014/main" xmlns="" id="{C80DFF66-7760-463A-A6E3-7A4A06739A6B}"/>
                   </a:ext>
                 </a:extLst>
               </p:cNvPr>
@@ -12461,7 +12461,7 @@
               <p:cNvPr id="62" name="Google Shape;124;p4">
                 <a:extLst>
                   <a:ext uri="{FF2B5EF4-FFF2-40B4-BE49-F238E27FC236}">
-                    <a16:creationId xmlns="" xmlns:a16="http://schemas.microsoft.com/office/drawing/2014/main" id="{537A8DBB-64CB-4C54-9816-C8AB9CEF9F83}"/>
+                    <a16:creationId xmlns:a16="http://schemas.microsoft.com/office/drawing/2014/main" xmlns="" id="{537A8DBB-64CB-4C54-9816-C8AB9CEF9F83}"/>
                   </a:ext>
                 </a:extLst>
               </p:cNvPr>
@@ -12495,7 +12495,7 @@
               <p:cNvPr id="63" name="Google Shape;126;p4">
                 <a:extLst>
                   <a:ext uri="{FF2B5EF4-FFF2-40B4-BE49-F238E27FC236}">
-                    <a16:creationId xmlns="" xmlns:a16="http://schemas.microsoft.com/office/drawing/2014/main" id="{5EA94F71-5A4A-461B-84A6-89FA43FE7B61}"/>
+                    <a16:creationId xmlns:a16="http://schemas.microsoft.com/office/drawing/2014/main" xmlns="" id="{5EA94F71-5A4A-461B-84A6-89FA43FE7B61}"/>
                   </a:ext>
                 </a:extLst>
               </p:cNvPr>
@@ -12530,7 +12530,7 @@
             <p:cNvPr id="64" name="Google Shape;127;p4">
               <a:extLst>
                 <a:ext uri="{FF2B5EF4-FFF2-40B4-BE49-F238E27FC236}">
-                  <a16:creationId xmlns="" xmlns:a16="http://schemas.microsoft.com/office/drawing/2014/main" id="{52F47E68-BBBA-4D50-92F9-0A84552519B8}"/>
+                  <a16:creationId xmlns:a16="http://schemas.microsoft.com/office/drawing/2014/main" xmlns="" id="{52F47E68-BBBA-4D50-92F9-0A84552519B8}"/>
                 </a:ext>
               </a:extLst>
             </p:cNvPr>
@@ -12595,7 +12595,7 @@
           <p:cNvPr id="66" name="Google Shape;125;p4">
             <a:extLst>
               <a:ext uri="{FF2B5EF4-FFF2-40B4-BE49-F238E27FC236}">
-                <a16:creationId xmlns="" xmlns:a16="http://schemas.microsoft.com/office/drawing/2014/main" id="{60669A83-F90E-4A4C-BA00-13CC73D4042F}"/>
+                <a16:creationId xmlns:a16="http://schemas.microsoft.com/office/drawing/2014/main" xmlns="" id="{60669A83-F90E-4A4C-BA00-13CC73D4042F}"/>
               </a:ext>
             </a:extLst>
           </p:cNvPr>
@@ -12651,7 +12651,7 @@
           <p:cNvPr id="67" name="Google Shape;125;p4">
             <a:extLst>
               <a:ext uri="{FF2B5EF4-FFF2-40B4-BE49-F238E27FC236}">
-                <a16:creationId xmlns="" xmlns:a16="http://schemas.microsoft.com/office/drawing/2014/main" id="{60669A83-F90E-4A4C-BA00-13CC73D4042F}"/>
+                <a16:creationId xmlns:a16="http://schemas.microsoft.com/office/drawing/2014/main" xmlns="" id="{60669A83-F90E-4A4C-BA00-13CC73D4042F}"/>
               </a:ext>
             </a:extLst>
           </p:cNvPr>
@@ -12862,7 +12862,7 @@
           <p:cNvPr id="25" name="Google Shape;125;p4">
             <a:extLst>
               <a:ext uri="{FF2B5EF4-FFF2-40B4-BE49-F238E27FC236}">
-                <a16:creationId xmlns="" xmlns:a16="http://schemas.microsoft.com/office/drawing/2014/main" id="{60669A83-F90E-4A4C-BA00-13CC73D4042F}"/>
+                <a16:creationId xmlns:a16="http://schemas.microsoft.com/office/drawing/2014/main" xmlns="" id="{60669A83-F90E-4A4C-BA00-13CC73D4042F}"/>
               </a:ext>
             </a:extLst>
           </p:cNvPr>
@@ -12932,7 +12932,7 @@
             <p:cNvPr id="27" name="Группа 26">
               <a:extLst>
                 <a:ext uri="{FF2B5EF4-FFF2-40B4-BE49-F238E27FC236}">
-                  <a16:creationId xmlns="" xmlns:a16="http://schemas.microsoft.com/office/drawing/2014/main" id="{CEB208F7-621F-4826-AC02-D9ACF56C2556}"/>
+                  <a16:creationId xmlns:a16="http://schemas.microsoft.com/office/drawing/2014/main" xmlns="" id="{CEB208F7-621F-4826-AC02-D9ACF56C2556}"/>
                 </a:ext>
               </a:extLst>
             </p:cNvPr>
@@ -12952,7 +12952,7 @@
               <p:cNvPr id="29" name="Google Shape;123;p4">
                 <a:extLst>
                   <a:ext uri="{FF2B5EF4-FFF2-40B4-BE49-F238E27FC236}">
-                    <a16:creationId xmlns="" xmlns:a16="http://schemas.microsoft.com/office/drawing/2014/main" id="{C80DFF66-7760-463A-A6E3-7A4A06739A6B}"/>
+                    <a16:creationId xmlns:a16="http://schemas.microsoft.com/office/drawing/2014/main" xmlns="" id="{C80DFF66-7760-463A-A6E3-7A4A06739A6B}"/>
                   </a:ext>
                 </a:extLst>
               </p:cNvPr>
@@ -12986,7 +12986,7 @@
               <p:cNvPr id="30" name="Google Shape;124;p4">
                 <a:extLst>
                   <a:ext uri="{FF2B5EF4-FFF2-40B4-BE49-F238E27FC236}">
-                    <a16:creationId xmlns="" xmlns:a16="http://schemas.microsoft.com/office/drawing/2014/main" id="{537A8DBB-64CB-4C54-9816-C8AB9CEF9F83}"/>
+                    <a16:creationId xmlns:a16="http://schemas.microsoft.com/office/drawing/2014/main" xmlns="" id="{537A8DBB-64CB-4C54-9816-C8AB9CEF9F83}"/>
                   </a:ext>
                 </a:extLst>
               </p:cNvPr>
@@ -13020,7 +13020,7 @@
               <p:cNvPr id="31" name="Google Shape;126;p4">
                 <a:extLst>
                   <a:ext uri="{FF2B5EF4-FFF2-40B4-BE49-F238E27FC236}">
-                    <a16:creationId xmlns="" xmlns:a16="http://schemas.microsoft.com/office/drawing/2014/main" id="{5EA94F71-5A4A-461B-84A6-89FA43FE7B61}"/>
+                    <a16:creationId xmlns:a16="http://schemas.microsoft.com/office/drawing/2014/main" xmlns="" id="{5EA94F71-5A4A-461B-84A6-89FA43FE7B61}"/>
                   </a:ext>
                 </a:extLst>
               </p:cNvPr>
@@ -13055,7 +13055,7 @@
             <p:cNvPr id="28" name="Google Shape;127;p4">
               <a:extLst>
                 <a:ext uri="{FF2B5EF4-FFF2-40B4-BE49-F238E27FC236}">
-                  <a16:creationId xmlns="" xmlns:a16="http://schemas.microsoft.com/office/drawing/2014/main" id="{52F47E68-BBBA-4D50-92F9-0A84552519B8}"/>
+                  <a16:creationId xmlns:a16="http://schemas.microsoft.com/office/drawing/2014/main" xmlns="" id="{52F47E68-BBBA-4D50-92F9-0A84552519B8}"/>
                 </a:ext>
               </a:extLst>
             </p:cNvPr>
@@ -13181,7 +13181,7 @@
           <p:cNvPr id="33" name="Google Shape;125;p4">
             <a:extLst>
               <a:ext uri="{FF2B5EF4-FFF2-40B4-BE49-F238E27FC236}">
-                <a16:creationId xmlns="" xmlns:a16="http://schemas.microsoft.com/office/drawing/2014/main" id="{60669A83-F90E-4A4C-BA00-13CC73D4042F}"/>
+                <a16:creationId xmlns:a16="http://schemas.microsoft.com/office/drawing/2014/main" xmlns="" id="{60669A83-F90E-4A4C-BA00-13CC73D4042F}"/>
               </a:ext>
             </a:extLst>
           </p:cNvPr>
@@ -13516,7 +13516,7 @@
           <p:cNvPr id="65" name="Группа 64">
             <a:extLst>
               <a:ext uri="{FF2B5EF4-FFF2-40B4-BE49-F238E27FC236}">
-                <a16:creationId xmlns="" xmlns:a16="http://schemas.microsoft.com/office/drawing/2014/main" id="{9280711C-2262-4089-92EE-9BEACCC60C4C}"/>
+                <a16:creationId xmlns:a16="http://schemas.microsoft.com/office/drawing/2014/main" xmlns="" id="{9280711C-2262-4089-92EE-9BEACCC60C4C}"/>
               </a:ext>
             </a:extLst>
           </p:cNvPr>
@@ -13536,7 +13536,7 @@
             <p:cNvPr id="68" name="Прямоугольник 67">
               <a:extLst>
                 <a:ext uri="{FF2B5EF4-FFF2-40B4-BE49-F238E27FC236}">
-                  <a16:creationId xmlns="" xmlns:a16="http://schemas.microsoft.com/office/drawing/2014/main" id="{E2535886-3476-4B40-9706-6797B77905C0}"/>
+                  <a16:creationId xmlns:a16="http://schemas.microsoft.com/office/drawing/2014/main" xmlns="" id="{E2535886-3476-4B40-9706-6797B77905C0}"/>
                 </a:ext>
               </a:extLst>
             </p:cNvPr>
@@ -13608,7 +13608,7 @@
             <p:cNvPr id="69" name="Прямоугольник 58">
               <a:extLst>
                 <a:ext uri="{FF2B5EF4-FFF2-40B4-BE49-F238E27FC236}">
-                  <a16:creationId xmlns="" xmlns:a16="http://schemas.microsoft.com/office/drawing/2014/main" id="{96789138-2397-49AA-BF3A-A6B5B90E8840}"/>
+                  <a16:creationId xmlns:a16="http://schemas.microsoft.com/office/drawing/2014/main" xmlns="" id="{96789138-2397-49AA-BF3A-A6B5B90E8840}"/>
                 </a:ext>
               </a:extLst>
             </p:cNvPr>
@@ -13745,7 +13745,7 @@
             <p:cNvPr id="70" name="Прямоугольник 58">
               <a:extLst>
                 <a:ext uri="{FF2B5EF4-FFF2-40B4-BE49-F238E27FC236}">
-                  <a16:creationId xmlns="" xmlns:a16="http://schemas.microsoft.com/office/drawing/2014/main" id="{DA239952-60E1-45EB-BDF0-422CC4CF7E42}"/>
+                  <a16:creationId xmlns:a16="http://schemas.microsoft.com/office/drawing/2014/main" xmlns="" id="{DA239952-60E1-45EB-BDF0-422CC4CF7E42}"/>
                 </a:ext>
               </a:extLst>
             </p:cNvPr>
@@ -13888,7 +13888,7 @@
           <p:cNvPr id="4" name="Номер слайда 3">
             <a:extLst>
               <a:ext uri="{FF2B5EF4-FFF2-40B4-BE49-F238E27FC236}">
-                <a16:creationId xmlns="" xmlns:a16="http://schemas.microsoft.com/office/drawing/2014/main" id="{06555008-558A-4705-ADA6-A99A535D9A16}"/>
+                <a16:creationId xmlns:a16="http://schemas.microsoft.com/office/drawing/2014/main" xmlns="" id="{06555008-558A-4705-ADA6-A99A535D9A16}"/>
               </a:ext>
             </a:extLst>
           </p:cNvPr>
@@ -13940,7 +13940,7 @@
             <p:cNvPr id="36" name="Группа 35">
               <a:extLst>
                 <a:ext uri="{FF2B5EF4-FFF2-40B4-BE49-F238E27FC236}">
-                  <a16:creationId xmlns="" xmlns:a16="http://schemas.microsoft.com/office/drawing/2014/main" id="{066B2AF8-B3BB-4E6C-B4EF-BA91A7149C6E}"/>
+                  <a16:creationId xmlns:a16="http://schemas.microsoft.com/office/drawing/2014/main" xmlns="" id="{066B2AF8-B3BB-4E6C-B4EF-BA91A7149C6E}"/>
                 </a:ext>
               </a:extLst>
             </p:cNvPr>
@@ -13960,7 +13960,7 @@
               <p:cNvPr id="37" name="Google Shape;123;p4">
                 <a:extLst>
                   <a:ext uri="{FF2B5EF4-FFF2-40B4-BE49-F238E27FC236}">
-                    <a16:creationId xmlns="" xmlns:a16="http://schemas.microsoft.com/office/drawing/2014/main" id="{B2BB743C-20D7-4E69-AAE1-54C42970370B}"/>
+                    <a16:creationId xmlns:a16="http://schemas.microsoft.com/office/drawing/2014/main" xmlns="" id="{B2BB743C-20D7-4E69-AAE1-54C42970370B}"/>
                   </a:ext>
                 </a:extLst>
               </p:cNvPr>
@@ -13994,7 +13994,7 @@
               <p:cNvPr id="38" name="Google Shape;124;p4">
                 <a:extLst>
                   <a:ext uri="{FF2B5EF4-FFF2-40B4-BE49-F238E27FC236}">
-                    <a16:creationId xmlns="" xmlns:a16="http://schemas.microsoft.com/office/drawing/2014/main" id="{A09E8948-234F-49EF-B8ED-B3C480E04917}"/>
+                    <a16:creationId xmlns:a16="http://schemas.microsoft.com/office/drawing/2014/main" xmlns="" id="{A09E8948-234F-49EF-B8ED-B3C480E04917}"/>
                   </a:ext>
                 </a:extLst>
               </p:cNvPr>
@@ -14028,7 +14028,7 @@
               <p:cNvPr id="39" name="Google Shape;126;p4">
                 <a:extLst>
                   <a:ext uri="{FF2B5EF4-FFF2-40B4-BE49-F238E27FC236}">
-                    <a16:creationId xmlns="" xmlns:a16="http://schemas.microsoft.com/office/drawing/2014/main" id="{DE776E1C-0C20-43D2-8A38-628879EB82A4}"/>
+                    <a16:creationId xmlns:a16="http://schemas.microsoft.com/office/drawing/2014/main" xmlns="" id="{DE776E1C-0C20-43D2-8A38-628879EB82A4}"/>
                   </a:ext>
                 </a:extLst>
               </p:cNvPr>
@@ -14063,7 +14063,7 @@
             <p:cNvPr id="53" name="Google Shape;127;p4">
               <a:extLst>
                 <a:ext uri="{FF2B5EF4-FFF2-40B4-BE49-F238E27FC236}">
-                  <a16:creationId xmlns="" xmlns:a16="http://schemas.microsoft.com/office/drawing/2014/main" id="{BCF65B5B-0337-4C73-B9BB-A05F6916D064}"/>
+                  <a16:creationId xmlns:a16="http://schemas.microsoft.com/office/drawing/2014/main" xmlns="" id="{BCF65B5B-0337-4C73-B9BB-A05F6916D064}"/>
                 </a:ext>
               </a:extLst>
             </p:cNvPr>
@@ -14125,7 +14125,7 @@
           <p:cNvPr id="66" name="Google Shape;125;p4">
             <a:extLst>
               <a:ext uri="{FF2B5EF4-FFF2-40B4-BE49-F238E27FC236}">
-                <a16:creationId xmlns="" xmlns:a16="http://schemas.microsoft.com/office/drawing/2014/main" id="{60669A83-F90E-4A4C-BA00-13CC73D4042F}"/>
+                <a16:creationId xmlns:a16="http://schemas.microsoft.com/office/drawing/2014/main" xmlns="" id="{60669A83-F90E-4A4C-BA00-13CC73D4042F}"/>
               </a:ext>
             </a:extLst>
           </p:cNvPr>
@@ -14181,7 +14181,7 @@
           <p:cNvPr id="25" name="Google Shape;125;p4">
             <a:extLst>
               <a:ext uri="{FF2B5EF4-FFF2-40B4-BE49-F238E27FC236}">
-                <a16:creationId xmlns="" xmlns:a16="http://schemas.microsoft.com/office/drawing/2014/main" id="{60669A83-F90E-4A4C-BA00-13CC73D4042F}"/>
+                <a16:creationId xmlns:a16="http://schemas.microsoft.com/office/drawing/2014/main" xmlns="" id="{60669A83-F90E-4A4C-BA00-13CC73D4042F}"/>
               </a:ext>
             </a:extLst>
           </p:cNvPr>
@@ -14251,7 +14251,7 @@
             <p:cNvPr id="27" name="Группа 26">
               <a:extLst>
                 <a:ext uri="{FF2B5EF4-FFF2-40B4-BE49-F238E27FC236}">
-                  <a16:creationId xmlns="" xmlns:a16="http://schemas.microsoft.com/office/drawing/2014/main" id="{CEB208F7-621F-4826-AC02-D9ACF56C2556}"/>
+                  <a16:creationId xmlns:a16="http://schemas.microsoft.com/office/drawing/2014/main" xmlns="" id="{CEB208F7-621F-4826-AC02-D9ACF56C2556}"/>
                 </a:ext>
               </a:extLst>
             </p:cNvPr>
@@ -14271,7 +14271,7 @@
               <p:cNvPr id="29" name="Google Shape;123;p4">
                 <a:extLst>
                   <a:ext uri="{FF2B5EF4-FFF2-40B4-BE49-F238E27FC236}">
-                    <a16:creationId xmlns="" xmlns:a16="http://schemas.microsoft.com/office/drawing/2014/main" id="{C80DFF66-7760-463A-A6E3-7A4A06739A6B}"/>
+                    <a16:creationId xmlns:a16="http://schemas.microsoft.com/office/drawing/2014/main" xmlns="" id="{C80DFF66-7760-463A-A6E3-7A4A06739A6B}"/>
                   </a:ext>
                 </a:extLst>
               </p:cNvPr>
@@ -14305,7 +14305,7 @@
               <p:cNvPr id="30" name="Google Shape;124;p4">
                 <a:extLst>
                   <a:ext uri="{FF2B5EF4-FFF2-40B4-BE49-F238E27FC236}">
-                    <a16:creationId xmlns="" xmlns:a16="http://schemas.microsoft.com/office/drawing/2014/main" id="{537A8DBB-64CB-4C54-9816-C8AB9CEF9F83}"/>
+                    <a16:creationId xmlns:a16="http://schemas.microsoft.com/office/drawing/2014/main" xmlns="" id="{537A8DBB-64CB-4C54-9816-C8AB9CEF9F83}"/>
                   </a:ext>
                 </a:extLst>
               </p:cNvPr>
@@ -14339,7 +14339,7 @@
               <p:cNvPr id="31" name="Google Shape;126;p4">
                 <a:extLst>
                   <a:ext uri="{FF2B5EF4-FFF2-40B4-BE49-F238E27FC236}">
-                    <a16:creationId xmlns="" xmlns:a16="http://schemas.microsoft.com/office/drawing/2014/main" id="{5EA94F71-5A4A-461B-84A6-89FA43FE7B61}"/>
+                    <a16:creationId xmlns:a16="http://schemas.microsoft.com/office/drawing/2014/main" xmlns="" id="{5EA94F71-5A4A-461B-84A6-89FA43FE7B61}"/>
                   </a:ext>
                 </a:extLst>
               </p:cNvPr>
@@ -14374,7 +14374,7 @@
             <p:cNvPr id="28" name="Google Shape;127;p4">
               <a:extLst>
                 <a:ext uri="{FF2B5EF4-FFF2-40B4-BE49-F238E27FC236}">
-                  <a16:creationId xmlns="" xmlns:a16="http://schemas.microsoft.com/office/drawing/2014/main" id="{52F47E68-BBBA-4D50-92F9-0A84552519B8}"/>
+                  <a16:creationId xmlns:a16="http://schemas.microsoft.com/office/drawing/2014/main" xmlns="" id="{52F47E68-BBBA-4D50-92F9-0A84552519B8}"/>
                 </a:ext>
               </a:extLst>
             </p:cNvPr>
@@ -14436,7 +14436,7 @@
           <p:cNvPr id="33" name="Google Shape;125;p4">
             <a:extLst>
               <a:ext uri="{FF2B5EF4-FFF2-40B4-BE49-F238E27FC236}">
-                <a16:creationId xmlns="" xmlns:a16="http://schemas.microsoft.com/office/drawing/2014/main" id="{60669A83-F90E-4A4C-BA00-13CC73D4042F}"/>
+                <a16:creationId xmlns:a16="http://schemas.microsoft.com/office/drawing/2014/main" xmlns="" id="{60669A83-F90E-4A4C-BA00-13CC73D4042F}"/>
               </a:ext>
             </a:extLst>
           </p:cNvPr>
@@ -15241,7 +15241,7 @@
           <p:cNvPr id="65" name="Группа 64">
             <a:extLst>
               <a:ext uri="{FF2B5EF4-FFF2-40B4-BE49-F238E27FC236}">
-                <a16:creationId xmlns="" xmlns:a16="http://schemas.microsoft.com/office/drawing/2014/main" id="{9280711C-2262-4089-92EE-9BEACCC60C4C}"/>
+                <a16:creationId xmlns:a16="http://schemas.microsoft.com/office/drawing/2014/main" xmlns="" id="{9280711C-2262-4089-92EE-9BEACCC60C4C}"/>
               </a:ext>
             </a:extLst>
           </p:cNvPr>
@@ -15261,7 +15261,7 @@
             <p:cNvPr id="68" name="Прямоугольник 67">
               <a:extLst>
                 <a:ext uri="{FF2B5EF4-FFF2-40B4-BE49-F238E27FC236}">
-                  <a16:creationId xmlns="" xmlns:a16="http://schemas.microsoft.com/office/drawing/2014/main" id="{E2535886-3476-4B40-9706-6797B77905C0}"/>
+                  <a16:creationId xmlns:a16="http://schemas.microsoft.com/office/drawing/2014/main" xmlns="" id="{E2535886-3476-4B40-9706-6797B77905C0}"/>
                 </a:ext>
               </a:extLst>
             </p:cNvPr>
@@ -15333,7 +15333,7 @@
             <p:cNvPr id="69" name="Прямоугольник 58">
               <a:extLst>
                 <a:ext uri="{FF2B5EF4-FFF2-40B4-BE49-F238E27FC236}">
-                  <a16:creationId xmlns="" xmlns:a16="http://schemas.microsoft.com/office/drawing/2014/main" id="{96789138-2397-49AA-BF3A-A6B5B90E8840}"/>
+                  <a16:creationId xmlns:a16="http://schemas.microsoft.com/office/drawing/2014/main" xmlns="" id="{96789138-2397-49AA-BF3A-A6B5B90E8840}"/>
                 </a:ext>
               </a:extLst>
             </p:cNvPr>
@@ -15470,7 +15470,7 @@
             <p:cNvPr id="70" name="Прямоугольник 58">
               <a:extLst>
                 <a:ext uri="{FF2B5EF4-FFF2-40B4-BE49-F238E27FC236}">
-                  <a16:creationId xmlns="" xmlns:a16="http://schemas.microsoft.com/office/drawing/2014/main" id="{DA239952-60E1-45EB-BDF0-422CC4CF7E42}"/>
+                  <a16:creationId xmlns:a16="http://schemas.microsoft.com/office/drawing/2014/main" xmlns="" id="{DA239952-60E1-45EB-BDF0-422CC4CF7E42}"/>
                 </a:ext>
               </a:extLst>
             </p:cNvPr>
@@ -15613,7 +15613,7 @@
           <p:cNvPr id="4" name="Номер слайда 3">
             <a:extLst>
               <a:ext uri="{FF2B5EF4-FFF2-40B4-BE49-F238E27FC236}">
-                <a16:creationId xmlns="" xmlns:a16="http://schemas.microsoft.com/office/drawing/2014/main" id="{06555008-558A-4705-ADA6-A99A535D9A16}"/>
+                <a16:creationId xmlns:a16="http://schemas.microsoft.com/office/drawing/2014/main" xmlns="" id="{06555008-558A-4705-ADA6-A99A535D9A16}"/>
               </a:ext>
             </a:extLst>
           </p:cNvPr>
@@ -15665,7 +15665,7 @@
             <p:cNvPr id="36" name="Группа 35">
               <a:extLst>
                 <a:ext uri="{FF2B5EF4-FFF2-40B4-BE49-F238E27FC236}">
-                  <a16:creationId xmlns="" xmlns:a16="http://schemas.microsoft.com/office/drawing/2014/main" id="{066B2AF8-B3BB-4E6C-B4EF-BA91A7149C6E}"/>
+                  <a16:creationId xmlns:a16="http://schemas.microsoft.com/office/drawing/2014/main" xmlns="" id="{066B2AF8-B3BB-4E6C-B4EF-BA91A7149C6E}"/>
                 </a:ext>
               </a:extLst>
             </p:cNvPr>
@@ -15685,7 +15685,7 @@
               <p:cNvPr id="37" name="Google Shape;123;p4">
                 <a:extLst>
                   <a:ext uri="{FF2B5EF4-FFF2-40B4-BE49-F238E27FC236}">
-                    <a16:creationId xmlns="" xmlns:a16="http://schemas.microsoft.com/office/drawing/2014/main" id="{B2BB743C-20D7-4E69-AAE1-54C42970370B}"/>
+                    <a16:creationId xmlns:a16="http://schemas.microsoft.com/office/drawing/2014/main" xmlns="" id="{B2BB743C-20D7-4E69-AAE1-54C42970370B}"/>
                   </a:ext>
                 </a:extLst>
               </p:cNvPr>
@@ -15719,7 +15719,7 @@
               <p:cNvPr id="38" name="Google Shape;124;p4">
                 <a:extLst>
                   <a:ext uri="{FF2B5EF4-FFF2-40B4-BE49-F238E27FC236}">
-                    <a16:creationId xmlns="" xmlns:a16="http://schemas.microsoft.com/office/drawing/2014/main" id="{A09E8948-234F-49EF-B8ED-B3C480E04917}"/>
+                    <a16:creationId xmlns:a16="http://schemas.microsoft.com/office/drawing/2014/main" xmlns="" id="{A09E8948-234F-49EF-B8ED-B3C480E04917}"/>
                   </a:ext>
                 </a:extLst>
               </p:cNvPr>
@@ -15753,7 +15753,7 @@
               <p:cNvPr id="39" name="Google Shape;126;p4">
                 <a:extLst>
                   <a:ext uri="{FF2B5EF4-FFF2-40B4-BE49-F238E27FC236}">
-                    <a16:creationId xmlns="" xmlns:a16="http://schemas.microsoft.com/office/drawing/2014/main" id="{DE776E1C-0C20-43D2-8A38-628879EB82A4}"/>
+                    <a16:creationId xmlns:a16="http://schemas.microsoft.com/office/drawing/2014/main" xmlns="" id="{DE776E1C-0C20-43D2-8A38-628879EB82A4}"/>
                   </a:ext>
                 </a:extLst>
               </p:cNvPr>
@@ -15788,7 +15788,7 @@
             <p:cNvPr id="53" name="Google Shape;127;p4">
               <a:extLst>
                 <a:ext uri="{FF2B5EF4-FFF2-40B4-BE49-F238E27FC236}">
-                  <a16:creationId xmlns="" xmlns:a16="http://schemas.microsoft.com/office/drawing/2014/main" id="{BCF65B5B-0337-4C73-B9BB-A05F6916D064}"/>
+                  <a16:creationId xmlns:a16="http://schemas.microsoft.com/office/drawing/2014/main" xmlns="" id="{BCF65B5B-0337-4C73-B9BB-A05F6916D064}"/>
                 </a:ext>
               </a:extLst>
             </p:cNvPr>
@@ -15850,7 +15850,7 @@
           <p:cNvPr id="66" name="Google Shape;125;p4">
             <a:extLst>
               <a:ext uri="{FF2B5EF4-FFF2-40B4-BE49-F238E27FC236}">
-                <a16:creationId xmlns="" xmlns:a16="http://schemas.microsoft.com/office/drawing/2014/main" id="{60669A83-F90E-4A4C-BA00-13CC73D4042F}"/>
+                <a16:creationId xmlns:a16="http://schemas.microsoft.com/office/drawing/2014/main" xmlns="" id="{60669A83-F90E-4A4C-BA00-13CC73D4042F}"/>
               </a:ext>
             </a:extLst>
           </p:cNvPr>
@@ -15906,7 +15906,7 @@
           <p:cNvPr id="25" name="Google Shape;125;p4">
             <a:extLst>
               <a:ext uri="{FF2B5EF4-FFF2-40B4-BE49-F238E27FC236}">
-                <a16:creationId xmlns="" xmlns:a16="http://schemas.microsoft.com/office/drawing/2014/main" id="{60669A83-F90E-4A4C-BA00-13CC73D4042F}"/>
+                <a16:creationId xmlns:a16="http://schemas.microsoft.com/office/drawing/2014/main" xmlns="" id="{60669A83-F90E-4A4C-BA00-13CC73D4042F}"/>
               </a:ext>
             </a:extLst>
           </p:cNvPr>
@@ -15976,7 +15976,7 @@
             <p:cNvPr id="27" name="Группа 26">
               <a:extLst>
                 <a:ext uri="{FF2B5EF4-FFF2-40B4-BE49-F238E27FC236}">
-                  <a16:creationId xmlns="" xmlns:a16="http://schemas.microsoft.com/office/drawing/2014/main" id="{CEB208F7-621F-4826-AC02-D9ACF56C2556}"/>
+                  <a16:creationId xmlns:a16="http://schemas.microsoft.com/office/drawing/2014/main" xmlns="" id="{CEB208F7-621F-4826-AC02-D9ACF56C2556}"/>
                 </a:ext>
               </a:extLst>
             </p:cNvPr>
@@ -15996,7 +15996,7 @@
               <p:cNvPr id="29" name="Google Shape;123;p4">
                 <a:extLst>
                   <a:ext uri="{FF2B5EF4-FFF2-40B4-BE49-F238E27FC236}">
-                    <a16:creationId xmlns="" xmlns:a16="http://schemas.microsoft.com/office/drawing/2014/main" id="{C80DFF66-7760-463A-A6E3-7A4A06739A6B}"/>
+                    <a16:creationId xmlns:a16="http://schemas.microsoft.com/office/drawing/2014/main" xmlns="" id="{C80DFF66-7760-463A-A6E3-7A4A06739A6B}"/>
                   </a:ext>
                 </a:extLst>
               </p:cNvPr>
@@ -16030,7 +16030,7 @@
               <p:cNvPr id="30" name="Google Shape;124;p4">
                 <a:extLst>
                   <a:ext uri="{FF2B5EF4-FFF2-40B4-BE49-F238E27FC236}">
-                    <a16:creationId xmlns="" xmlns:a16="http://schemas.microsoft.com/office/drawing/2014/main" id="{537A8DBB-64CB-4C54-9816-C8AB9CEF9F83}"/>
+                    <a16:creationId xmlns:a16="http://schemas.microsoft.com/office/drawing/2014/main" xmlns="" id="{537A8DBB-64CB-4C54-9816-C8AB9CEF9F83}"/>
                   </a:ext>
                 </a:extLst>
               </p:cNvPr>
@@ -16064,7 +16064,7 @@
               <p:cNvPr id="31" name="Google Shape;126;p4">
                 <a:extLst>
                   <a:ext uri="{FF2B5EF4-FFF2-40B4-BE49-F238E27FC236}">
-                    <a16:creationId xmlns="" xmlns:a16="http://schemas.microsoft.com/office/drawing/2014/main" id="{5EA94F71-5A4A-461B-84A6-89FA43FE7B61}"/>
+                    <a16:creationId xmlns:a16="http://schemas.microsoft.com/office/drawing/2014/main" xmlns="" id="{5EA94F71-5A4A-461B-84A6-89FA43FE7B61}"/>
                   </a:ext>
                 </a:extLst>
               </p:cNvPr>
@@ -16099,7 +16099,7 @@
             <p:cNvPr id="28" name="Google Shape;127;p4">
               <a:extLst>
                 <a:ext uri="{FF2B5EF4-FFF2-40B4-BE49-F238E27FC236}">
-                  <a16:creationId xmlns="" xmlns:a16="http://schemas.microsoft.com/office/drawing/2014/main" id="{52F47E68-BBBA-4D50-92F9-0A84552519B8}"/>
+                  <a16:creationId xmlns:a16="http://schemas.microsoft.com/office/drawing/2014/main" xmlns="" id="{52F47E68-BBBA-4D50-92F9-0A84552519B8}"/>
                 </a:ext>
               </a:extLst>
             </p:cNvPr>
@@ -16161,7 +16161,7 @@
           <p:cNvPr id="33" name="Google Shape;125;p4">
             <a:extLst>
               <a:ext uri="{FF2B5EF4-FFF2-40B4-BE49-F238E27FC236}">
-                <a16:creationId xmlns="" xmlns:a16="http://schemas.microsoft.com/office/drawing/2014/main" id="{60669A83-F90E-4A4C-BA00-13CC73D4042F}"/>
+                <a16:creationId xmlns:a16="http://schemas.microsoft.com/office/drawing/2014/main" xmlns="" id="{60669A83-F90E-4A4C-BA00-13CC73D4042F}"/>
               </a:ext>
             </a:extLst>
           </p:cNvPr>
@@ -16849,7 +16849,7 @@
           <p:cNvPr id="65" name="Группа 64">
             <a:extLst>
               <a:ext uri="{FF2B5EF4-FFF2-40B4-BE49-F238E27FC236}">
-                <a16:creationId xmlns="" xmlns:a16="http://schemas.microsoft.com/office/drawing/2014/main" id="{9280711C-2262-4089-92EE-9BEACCC60C4C}"/>
+                <a16:creationId xmlns:a16="http://schemas.microsoft.com/office/drawing/2014/main" xmlns="" id="{9280711C-2262-4089-92EE-9BEACCC60C4C}"/>
               </a:ext>
             </a:extLst>
           </p:cNvPr>
@@ -16869,7 +16869,7 @@
             <p:cNvPr id="68" name="Прямоугольник 67">
               <a:extLst>
                 <a:ext uri="{FF2B5EF4-FFF2-40B4-BE49-F238E27FC236}">
-                  <a16:creationId xmlns="" xmlns:a16="http://schemas.microsoft.com/office/drawing/2014/main" id="{E2535886-3476-4B40-9706-6797B77905C0}"/>
+                  <a16:creationId xmlns:a16="http://schemas.microsoft.com/office/drawing/2014/main" xmlns="" id="{E2535886-3476-4B40-9706-6797B77905C0}"/>
                 </a:ext>
               </a:extLst>
             </p:cNvPr>
@@ -16941,7 +16941,7 @@
             <p:cNvPr id="69" name="Прямоугольник 58">
               <a:extLst>
                 <a:ext uri="{FF2B5EF4-FFF2-40B4-BE49-F238E27FC236}">
-                  <a16:creationId xmlns="" xmlns:a16="http://schemas.microsoft.com/office/drawing/2014/main" id="{96789138-2397-49AA-BF3A-A6B5B90E8840}"/>
+                  <a16:creationId xmlns:a16="http://schemas.microsoft.com/office/drawing/2014/main" xmlns="" id="{96789138-2397-49AA-BF3A-A6B5B90E8840}"/>
                 </a:ext>
               </a:extLst>
             </p:cNvPr>
@@ -17078,7 +17078,7 @@
             <p:cNvPr id="70" name="Прямоугольник 58">
               <a:extLst>
                 <a:ext uri="{FF2B5EF4-FFF2-40B4-BE49-F238E27FC236}">
-                  <a16:creationId xmlns="" xmlns:a16="http://schemas.microsoft.com/office/drawing/2014/main" id="{DA239952-60E1-45EB-BDF0-422CC4CF7E42}"/>
+                  <a16:creationId xmlns:a16="http://schemas.microsoft.com/office/drawing/2014/main" xmlns="" id="{DA239952-60E1-45EB-BDF0-422CC4CF7E42}"/>
                 </a:ext>
               </a:extLst>
             </p:cNvPr>
@@ -17221,7 +17221,7 @@
           <p:cNvPr id="4" name="Номер слайда 3">
             <a:extLst>
               <a:ext uri="{FF2B5EF4-FFF2-40B4-BE49-F238E27FC236}">
-                <a16:creationId xmlns="" xmlns:a16="http://schemas.microsoft.com/office/drawing/2014/main" id="{06555008-558A-4705-ADA6-A99A535D9A16}"/>
+                <a16:creationId xmlns:a16="http://schemas.microsoft.com/office/drawing/2014/main" xmlns="" id="{06555008-558A-4705-ADA6-A99A535D9A16}"/>
               </a:ext>
             </a:extLst>
           </p:cNvPr>
@@ -17273,7 +17273,7 @@
             <p:cNvPr id="36" name="Группа 35">
               <a:extLst>
                 <a:ext uri="{FF2B5EF4-FFF2-40B4-BE49-F238E27FC236}">
-                  <a16:creationId xmlns="" xmlns:a16="http://schemas.microsoft.com/office/drawing/2014/main" id="{066B2AF8-B3BB-4E6C-B4EF-BA91A7149C6E}"/>
+                  <a16:creationId xmlns:a16="http://schemas.microsoft.com/office/drawing/2014/main" xmlns="" id="{066B2AF8-B3BB-4E6C-B4EF-BA91A7149C6E}"/>
                 </a:ext>
               </a:extLst>
             </p:cNvPr>
@@ -17293,7 +17293,7 @@
               <p:cNvPr id="37" name="Google Shape;123;p4">
                 <a:extLst>
                   <a:ext uri="{FF2B5EF4-FFF2-40B4-BE49-F238E27FC236}">
-                    <a16:creationId xmlns="" xmlns:a16="http://schemas.microsoft.com/office/drawing/2014/main" id="{B2BB743C-20D7-4E69-AAE1-54C42970370B}"/>
+                    <a16:creationId xmlns:a16="http://schemas.microsoft.com/office/drawing/2014/main" xmlns="" id="{B2BB743C-20D7-4E69-AAE1-54C42970370B}"/>
                   </a:ext>
                 </a:extLst>
               </p:cNvPr>
@@ -17327,7 +17327,7 @@
               <p:cNvPr id="38" name="Google Shape;124;p4">
                 <a:extLst>
                   <a:ext uri="{FF2B5EF4-FFF2-40B4-BE49-F238E27FC236}">
-                    <a16:creationId xmlns="" xmlns:a16="http://schemas.microsoft.com/office/drawing/2014/main" id="{A09E8948-234F-49EF-B8ED-B3C480E04917}"/>
+                    <a16:creationId xmlns:a16="http://schemas.microsoft.com/office/drawing/2014/main" xmlns="" id="{A09E8948-234F-49EF-B8ED-B3C480E04917}"/>
                   </a:ext>
                 </a:extLst>
               </p:cNvPr>
@@ -17361,7 +17361,7 @@
               <p:cNvPr id="39" name="Google Shape;126;p4">
                 <a:extLst>
                   <a:ext uri="{FF2B5EF4-FFF2-40B4-BE49-F238E27FC236}">
-                    <a16:creationId xmlns="" xmlns:a16="http://schemas.microsoft.com/office/drawing/2014/main" id="{DE776E1C-0C20-43D2-8A38-628879EB82A4}"/>
+                    <a16:creationId xmlns:a16="http://schemas.microsoft.com/office/drawing/2014/main" xmlns="" id="{DE776E1C-0C20-43D2-8A38-628879EB82A4}"/>
                   </a:ext>
                 </a:extLst>
               </p:cNvPr>
@@ -17396,7 +17396,7 @@
             <p:cNvPr id="53" name="Google Shape;127;p4">
               <a:extLst>
                 <a:ext uri="{FF2B5EF4-FFF2-40B4-BE49-F238E27FC236}">
-                  <a16:creationId xmlns="" xmlns:a16="http://schemas.microsoft.com/office/drawing/2014/main" id="{BCF65B5B-0337-4C73-B9BB-A05F6916D064}"/>
+                  <a16:creationId xmlns:a16="http://schemas.microsoft.com/office/drawing/2014/main" xmlns="" id="{BCF65B5B-0337-4C73-B9BB-A05F6916D064}"/>
                 </a:ext>
               </a:extLst>
             </p:cNvPr>
@@ -17458,7 +17458,7 @@
           <p:cNvPr id="66" name="Google Shape;125;p4">
             <a:extLst>
               <a:ext uri="{FF2B5EF4-FFF2-40B4-BE49-F238E27FC236}">
-                <a16:creationId xmlns="" xmlns:a16="http://schemas.microsoft.com/office/drawing/2014/main" id="{60669A83-F90E-4A4C-BA00-13CC73D4042F}"/>
+                <a16:creationId xmlns:a16="http://schemas.microsoft.com/office/drawing/2014/main" xmlns="" id="{60669A83-F90E-4A4C-BA00-13CC73D4042F}"/>
               </a:ext>
             </a:extLst>
           </p:cNvPr>
@@ -17514,7 +17514,7 @@
           <p:cNvPr id="67" name="Google Shape;125;p4">
             <a:extLst>
               <a:ext uri="{FF2B5EF4-FFF2-40B4-BE49-F238E27FC236}">
-                <a16:creationId xmlns="" xmlns:a16="http://schemas.microsoft.com/office/drawing/2014/main" id="{60669A83-F90E-4A4C-BA00-13CC73D4042F}"/>
+                <a16:creationId xmlns:a16="http://schemas.microsoft.com/office/drawing/2014/main" xmlns="" id="{60669A83-F90E-4A4C-BA00-13CC73D4042F}"/>
               </a:ext>
             </a:extLst>
           </p:cNvPr>
@@ -17789,7 +17789,7 @@
           <p:cNvPr id="25" name="Google Shape;125;p4">
             <a:extLst>
               <a:ext uri="{FF2B5EF4-FFF2-40B4-BE49-F238E27FC236}">
-                <a16:creationId xmlns="" xmlns:a16="http://schemas.microsoft.com/office/drawing/2014/main" id="{60669A83-F90E-4A4C-BA00-13CC73D4042F}"/>
+                <a16:creationId xmlns:a16="http://schemas.microsoft.com/office/drawing/2014/main" xmlns="" id="{60669A83-F90E-4A4C-BA00-13CC73D4042F}"/>
               </a:ext>
             </a:extLst>
           </p:cNvPr>
@@ -17859,7 +17859,7 @@
             <p:cNvPr id="27" name="Группа 26">
               <a:extLst>
                 <a:ext uri="{FF2B5EF4-FFF2-40B4-BE49-F238E27FC236}">
-                  <a16:creationId xmlns="" xmlns:a16="http://schemas.microsoft.com/office/drawing/2014/main" id="{CEB208F7-621F-4826-AC02-D9ACF56C2556}"/>
+                  <a16:creationId xmlns:a16="http://schemas.microsoft.com/office/drawing/2014/main" xmlns="" id="{CEB208F7-621F-4826-AC02-D9ACF56C2556}"/>
                 </a:ext>
               </a:extLst>
             </p:cNvPr>
@@ -17879,7 +17879,7 @@
               <p:cNvPr id="29" name="Google Shape;123;p4">
                 <a:extLst>
                   <a:ext uri="{FF2B5EF4-FFF2-40B4-BE49-F238E27FC236}">
-                    <a16:creationId xmlns="" xmlns:a16="http://schemas.microsoft.com/office/drawing/2014/main" id="{C80DFF66-7760-463A-A6E3-7A4A06739A6B}"/>
+                    <a16:creationId xmlns:a16="http://schemas.microsoft.com/office/drawing/2014/main" xmlns="" id="{C80DFF66-7760-463A-A6E3-7A4A06739A6B}"/>
                   </a:ext>
                 </a:extLst>
               </p:cNvPr>
@@ -17913,7 +17913,7 @@
               <p:cNvPr id="30" name="Google Shape;124;p4">
                 <a:extLst>
                   <a:ext uri="{FF2B5EF4-FFF2-40B4-BE49-F238E27FC236}">
-                    <a16:creationId xmlns="" xmlns:a16="http://schemas.microsoft.com/office/drawing/2014/main" id="{537A8DBB-64CB-4C54-9816-C8AB9CEF9F83}"/>
+                    <a16:creationId xmlns:a16="http://schemas.microsoft.com/office/drawing/2014/main" xmlns="" id="{537A8DBB-64CB-4C54-9816-C8AB9CEF9F83}"/>
                   </a:ext>
                 </a:extLst>
               </p:cNvPr>
@@ -17947,7 +17947,7 @@
               <p:cNvPr id="31" name="Google Shape;126;p4">
                 <a:extLst>
                   <a:ext uri="{FF2B5EF4-FFF2-40B4-BE49-F238E27FC236}">
-                    <a16:creationId xmlns="" xmlns:a16="http://schemas.microsoft.com/office/drawing/2014/main" id="{5EA94F71-5A4A-461B-84A6-89FA43FE7B61}"/>
+                    <a16:creationId xmlns:a16="http://schemas.microsoft.com/office/drawing/2014/main" xmlns="" id="{5EA94F71-5A4A-461B-84A6-89FA43FE7B61}"/>
                   </a:ext>
                 </a:extLst>
               </p:cNvPr>
@@ -17982,7 +17982,7 @@
             <p:cNvPr id="28" name="Google Shape;127;p4">
               <a:extLst>
                 <a:ext uri="{FF2B5EF4-FFF2-40B4-BE49-F238E27FC236}">
-                  <a16:creationId xmlns="" xmlns:a16="http://schemas.microsoft.com/office/drawing/2014/main" id="{52F47E68-BBBA-4D50-92F9-0A84552519B8}"/>
+                  <a16:creationId xmlns:a16="http://schemas.microsoft.com/office/drawing/2014/main" xmlns="" id="{52F47E68-BBBA-4D50-92F9-0A84552519B8}"/>
                 </a:ext>
               </a:extLst>
             </p:cNvPr>
@@ -18044,7 +18044,7 @@
           <p:cNvPr id="33" name="Google Shape;125;p4">
             <a:extLst>
               <a:ext uri="{FF2B5EF4-FFF2-40B4-BE49-F238E27FC236}">
-                <a16:creationId xmlns="" xmlns:a16="http://schemas.microsoft.com/office/drawing/2014/main" id="{60669A83-F90E-4A4C-BA00-13CC73D4042F}"/>
+                <a16:creationId xmlns:a16="http://schemas.microsoft.com/office/drawing/2014/main" xmlns="" id="{60669A83-F90E-4A4C-BA00-13CC73D4042F}"/>
               </a:ext>
             </a:extLst>
           </p:cNvPr>
@@ -18838,7 +18838,7 @@
           <p:cNvPr id="4" name="Номер слайда 3">
             <a:extLst>
               <a:ext uri="{FF2B5EF4-FFF2-40B4-BE49-F238E27FC236}">
-                <a16:creationId xmlns="" xmlns:a16="http://schemas.microsoft.com/office/drawing/2014/main" id="{39A68FC8-8839-4BD0-A8B6-0C8B1924A8FB}"/>
+                <a16:creationId xmlns:a16="http://schemas.microsoft.com/office/drawing/2014/main" xmlns="" id="{39A68FC8-8839-4BD0-A8B6-0C8B1924A8FB}"/>
               </a:ext>
             </a:extLst>
           </p:cNvPr>
@@ -18876,7 +18876,7 @@
           <p:cNvPr id="8" name="Группа 7">
             <a:extLst>
               <a:ext uri="{FF2B5EF4-FFF2-40B4-BE49-F238E27FC236}">
-                <a16:creationId xmlns="" xmlns:a16="http://schemas.microsoft.com/office/drawing/2014/main" id="{B431A07B-4120-45A8-87F5-FD0B7543B02C}"/>
+                <a16:creationId xmlns:a16="http://schemas.microsoft.com/office/drawing/2014/main" xmlns="" id="{B431A07B-4120-45A8-87F5-FD0B7543B02C}"/>
               </a:ext>
             </a:extLst>
           </p:cNvPr>
@@ -18896,7 +18896,7 @@
             <p:cNvPr id="9" name="Прямоугольник 8">
               <a:extLst>
                 <a:ext uri="{FF2B5EF4-FFF2-40B4-BE49-F238E27FC236}">
-                  <a16:creationId xmlns="" xmlns:a16="http://schemas.microsoft.com/office/drawing/2014/main" id="{B408C17F-C4A9-45C8-85FF-C29DBCECDC7D}"/>
+                  <a16:creationId xmlns:a16="http://schemas.microsoft.com/office/drawing/2014/main" xmlns="" id="{B408C17F-C4A9-45C8-85FF-C29DBCECDC7D}"/>
                 </a:ext>
               </a:extLst>
             </p:cNvPr>
@@ -19001,7 +19001,7 @@
             <p:cNvPr id="11" name="Прямоугольник 58">
               <a:extLst>
                 <a:ext uri="{FF2B5EF4-FFF2-40B4-BE49-F238E27FC236}">
-                  <a16:creationId xmlns="" xmlns:a16="http://schemas.microsoft.com/office/drawing/2014/main" id="{8A2D04C4-68FF-4B8C-B3A7-621C55C3D8E2}"/>
+                  <a16:creationId xmlns:a16="http://schemas.microsoft.com/office/drawing/2014/main" xmlns="" id="{8A2D04C4-68FF-4B8C-B3A7-621C55C3D8E2}"/>
                 </a:ext>
               </a:extLst>
             </p:cNvPr>
@@ -19138,7 +19138,7 @@
             <p:cNvPr id="12" name="Прямоугольник 58">
               <a:extLst>
                 <a:ext uri="{FF2B5EF4-FFF2-40B4-BE49-F238E27FC236}">
-                  <a16:creationId xmlns="" xmlns:a16="http://schemas.microsoft.com/office/drawing/2014/main" id="{9DDB7652-1549-4D3B-8E35-D14E582606C3}"/>
+                  <a16:creationId xmlns:a16="http://schemas.microsoft.com/office/drawing/2014/main" xmlns="" id="{9DDB7652-1549-4D3B-8E35-D14E582606C3}"/>
                 </a:ext>
               </a:extLst>
             </p:cNvPr>
@@ -19281,7 +19281,7 @@
           <p:cNvPr id="14" name="Google Shape;125;p4">
             <a:extLst>
               <a:ext uri="{FF2B5EF4-FFF2-40B4-BE49-F238E27FC236}">
-                <a16:creationId xmlns="" xmlns:a16="http://schemas.microsoft.com/office/drawing/2014/main" id="{60669A83-F90E-4A4C-BA00-13CC73D4042F}"/>
+                <a16:creationId xmlns:a16="http://schemas.microsoft.com/office/drawing/2014/main" xmlns="" id="{60669A83-F90E-4A4C-BA00-13CC73D4042F}"/>
               </a:ext>
             </a:extLst>
           </p:cNvPr>
@@ -19379,7 +19379,7 @@
           <p:cNvPr id="16" name="Google Shape;125;p4">
             <a:extLst>
               <a:ext uri="{FF2B5EF4-FFF2-40B4-BE49-F238E27FC236}">
-                <a16:creationId xmlns="" xmlns:a16="http://schemas.microsoft.com/office/drawing/2014/main" id="{60669A83-F90E-4A4C-BA00-13CC73D4042F}"/>
+                <a16:creationId xmlns:a16="http://schemas.microsoft.com/office/drawing/2014/main" xmlns="" id="{60669A83-F90E-4A4C-BA00-13CC73D4042F}"/>
               </a:ext>
             </a:extLst>
           </p:cNvPr>
@@ -19489,7 +19489,7 @@
           <p:cNvPr id="18" name="Google Shape;125;p4">
             <a:extLst>
               <a:ext uri="{FF2B5EF4-FFF2-40B4-BE49-F238E27FC236}">
-                <a16:creationId xmlns="" xmlns:a16="http://schemas.microsoft.com/office/drawing/2014/main" id="{60669A83-F90E-4A4C-BA00-13CC73D4042F}"/>
+                <a16:creationId xmlns:a16="http://schemas.microsoft.com/office/drawing/2014/main" xmlns="" id="{60669A83-F90E-4A4C-BA00-13CC73D4042F}"/>
               </a:ext>
             </a:extLst>
           </p:cNvPr>
@@ -19668,7 +19668,7 @@
           <p:cNvPr id="65" name="Группа 64">
             <a:extLst>
               <a:ext uri="{FF2B5EF4-FFF2-40B4-BE49-F238E27FC236}">
-                <a16:creationId xmlns="" xmlns:a16="http://schemas.microsoft.com/office/drawing/2014/main" id="{9280711C-2262-4089-92EE-9BEACCC60C4C}"/>
+                <a16:creationId xmlns:a16="http://schemas.microsoft.com/office/drawing/2014/main" xmlns="" id="{9280711C-2262-4089-92EE-9BEACCC60C4C}"/>
               </a:ext>
             </a:extLst>
           </p:cNvPr>
@@ -19688,7 +19688,7 @@
             <p:cNvPr id="68" name="Прямоугольник 67">
               <a:extLst>
                 <a:ext uri="{FF2B5EF4-FFF2-40B4-BE49-F238E27FC236}">
-                  <a16:creationId xmlns="" xmlns:a16="http://schemas.microsoft.com/office/drawing/2014/main" id="{E2535886-3476-4B40-9706-6797B77905C0}"/>
+                  <a16:creationId xmlns:a16="http://schemas.microsoft.com/office/drawing/2014/main" xmlns="" id="{E2535886-3476-4B40-9706-6797B77905C0}"/>
                 </a:ext>
               </a:extLst>
             </p:cNvPr>
@@ -19760,7 +19760,7 @@
             <p:cNvPr id="69" name="Прямоугольник 58">
               <a:extLst>
                 <a:ext uri="{FF2B5EF4-FFF2-40B4-BE49-F238E27FC236}">
-                  <a16:creationId xmlns="" xmlns:a16="http://schemas.microsoft.com/office/drawing/2014/main" id="{96789138-2397-49AA-BF3A-A6B5B90E8840}"/>
+                  <a16:creationId xmlns:a16="http://schemas.microsoft.com/office/drawing/2014/main" xmlns="" id="{96789138-2397-49AA-BF3A-A6B5B90E8840}"/>
                 </a:ext>
               </a:extLst>
             </p:cNvPr>
@@ -19897,7 +19897,7 @@
             <p:cNvPr id="70" name="Прямоугольник 58">
               <a:extLst>
                 <a:ext uri="{FF2B5EF4-FFF2-40B4-BE49-F238E27FC236}">
-                  <a16:creationId xmlns="" xmlns:a16="http://schemas.microsoft.com/office/drawing/2014/main" id="{DA239952-60E1-45EB-BDF0-422CC4CF7E42}"/>
+                  <a16:creationId xmlns:a16="http://schemas.microsoft.com/office/drawing/2014/main" xmlns="" id="{DA239952-60E1-45EB-BDF0-422CC4CF7E42}"/>
                 </a:ext>
               </a:extLst>
             </p:cNvPr>
@@ -20040,7 +20040,7 @@
           <p:cNvPr id="4" name="Номер слайда 3">
             <a:extLst>
               <a:ext uri="{FF2B5EF4-FFF2-40B4-BE49-F238E27FC236}">
-                <a16:creationId xmlns="" xmlns:a16="http://schemas.microsoft.com/office/drawing/2014/main" id="{06555008-558A-4705-ADA6-A99A535D9A16}"/>
+                <a16:creationId xmlns:a16="http://schemas.microsoft.com/office/drawing/2014/main" xmlns="" id="{06555008-558A-4705-ADA6-A99A535D9A16}"/>
               </a:ext>
             </a:extLst>
           </p:cNvPr>
@@ -20877,7 +20877,7 @@
           <p:cNvPr id="65" name="Группа 64">
             <a:extLst>
               <a:ext uri="{FF2B5EF4-FFF2-40B4-BE49-F238E27FC236}">
-                <a16:creationId xmlns="" xmlns:a16="http://schemas.microsoft.com/office/drawing/2014/main" id="{9280711C-2262-4089-92EE-9BEACCC60C4C}"/>
+                <a16:creationId xmlns:a16="http://schemas.microsoft.com/office/drawing/2014/main" xmlns="" id="{9280711C-2262-4089-92EE-9BEACCC60C4C}"/>
               </a:ext>
             </a:extLst>
           </p:cNvPr>
@@ -20897,7 +20897,7 @@
             <p:cNvPr id="68" name="Прямоугольник 67">
               <a:extLst>
                 <a:ext uri="{FF2B5EF4-FFF2-40B4-BE49-F238E27FC236}">
-                  <a16:creationId xmlns="" xmlns:a16="http://schemas.microsoft.com/office/drawing/2014/main" id="{E2535886-3476-4B40-9706-6797B77905C0}"/>
+                  <a16:creationId xmlns:a16="http://schemas.microsoft.com/office/drawing/2014/main" xmlns="" id="{E2535886-3476-4B40-9706-6797B77905C0}"/>
                 </a:ext>
               </a:extLst>
             </p:cNvPr>
@@ -20969,7 +20969,7 @@
             <p:cNvPr id="69" name="Прямоугольник 58">
               <a:extLst>
                 <a:ext uri="{FF2B5EF4-FFF2-40B4-BE49-F238E27FC236}">
-                  <a16:creationId xmlns="" xmlns:a16="http://schemas.microsoft.com/office/drawing/2014/main" id="{96789138-2397-49AA-BF3A-A6B5B90E8840}"/>
+                  <a16:creationId xmlns:a16="http://schemas.microsoft.com/office/drawing/2014/main" xmlns="" id="{96789138-2397-49AA-BF3A-A6B5B90E8840}"/>
                 </a:ext>
               </a:extLst>
             </p:cNvPr>
@@ -21106,7 +21106,7 @@
             <p:cNvPr id="70" name="Прямоугольник 58">
               <a:extLst>
                 <a:ext uri="{FF2B5EF4-FFF2-40B4-BE49-F238E27FC236}">
-                  <a16:creationId xmlns="" xmlns:a16="http://schemas.microsoft.com/office/drawing/2014/main" id="{DA239952-60E1-45EB-BDF0-422CC4CF7E42}"/>
+                  <a16:creationId xmlns:a16="http://schemas.microsoft.com/office/drawing/2014/main" xmlns="" id="{DA239952-60E1-45EB-BDF0-422CC4CF7E42}"/>
                 </a:ext>
               </a:extLst>
             </p:cNvPr>
@@ -21249,7 +21249,7 @@
           <p:cNvPr id="4" name="Номер слайда 3">
             <a:extLst>
               <a:ext uri="{FF2B5EF4-FFF2-40B4-BE49-F238E27FC236}">
-                <a16:creationId xmlns="" xmlns:a16="http://schemas.microsoft.com/office/drawing/2014/main" id="{06555008-558A-4705-ADA6-A99A535D9A16}"/>
+                <a16:creationId xmlns:a16="http://schemas.microsoft.com/office/drawing/2014/main" xmlns="" id="{06555008-558A-4705-ADA6-A99A535D9A16}"/>
               </a:ext>
             </a:extLst>
           </p:cNvPr>
@@ -21287,7 +21287,7 @@
           <p:cNvPr id="11" name="Google Shape;125;p4">
             <a:extLst>
               <a:ext uri="{FF2B5EF4-FFF2-40B4-BE49-F238E27FC236}">
-                <a16:creationId xmlns="" xmlns:a16="http://schemas.microsoft.com/office/drawing/2014/main" id="{60669A83-F90E-4A4C-BA00-13CC73D4042F}"/>
+                <a16:creationId xmlns:a16="http://schemas.microsoft.com/office/drawing/2014/main" xmlns="" id="{60669A83-F90E-4A4C-BA00-13CC73D4042F}"/>
               </a:ext>
             </a:extLst>
           </p:cNvPr>
@@ -21365,7 +21365,7 @@
           <p:cNvPr id="36" name="Группа 35">
             <a:extLst>
               <a:ext uri="{FF2B5EF4-FFF2-40B4-BE49-F238E27FC236}">
-                <a16:creationId xmlns="" xmlns:a16="http://schemas.microsoft.com/office/drawing/2014/main" id="{066B2AF8-B3BB-4E6C-B4EF-BA91A7149C6E}"/>
+                <a16:creationId xmlns:a16="http://schemas.microsoft.com/office/drawing/2014/main" xmlns="" id="{066B2AF8-B3BB-4E6C-B4EF-BA91A7149C6E}"/>
               </a:ext>
             </a:extLst>
           </p:cNvPr>
@@ -21385,7 +21385,7 @@
             <p:cNvPr id="37" name="Google Shape;123;p4">
               <a:extLst>
                 <a:ext uri="{FF2B5EF4-FFF2-40B4-BE49-F238E27FC236}">
-                  <a16:creationId xmlns="" xmlns:a16="http://schemas.microsoft.com/office/drawing/2014/main" id="{B2BB743C-20D7-4E69-AAE1-54C42970370B}"/>
+                  <a16:creationId xmlns:a16="http://schemas.microsoft.com/office/drawing/2014/main" xmlns="" id="{B2BB743C-20D7-4E69-AAE1-54C42970370B}"/>
                 </a:ext>
               </a:extLst>
             </p:cNvPr>
@@ -21419,7 +21419,7 @@
             <p:cNvPr id="38" name="Google Shape;124;p4">
               <a:extLst>
                 <a:ext uri="{FF2B5EF4-FFF2-40B4-BE49-F238E27FC236}">
-                  <a16:creationId xmlns="" xmlns:a16="http://schemas.microsoft.com/office/drawing/2014/main" id="{A09E8948-234F-49EF-B8ED-B3C480E04917}"/>
+                  <a16:creationId xmlns:a16="http://schemas.microsoft.com/office/drawing/2014/main" xmlns="" id="{A09E8948-234F-49EF-B8ED-B3C480E04917}"/>
                 </a:ext>
               </a:extLst>
             </p:cNvPr>
@@ -21453,7 +21453,7 @@
             <p:cNvPr id="39" name="Google Shape;126;p4">
               <a:extLst>
                 <a:ext uri="{FF2B5EF4-FFF2-40B4-BE49-F238E27FC236}">
-                  <a16:creationId xmlns="" xmlns:a16="http://schemas.microsoft.com/office/drawing/2014/main" id="{DE776E1C-0C20-43D2-8A38-628879EB82A4}"/>
+                  <a16:creationId xmlns:a16="http://schemas.microsoft.com/office/drawing/2014/main" xmlns="" id="{DE776E1C-0C20-43D2-8A38-628879EB82A4}"/>
                 </a:ext>
               </a:extLst>
             </p:cNvPr>
@@ -21488,7 +21488,7 @@
           <p:cNvPr id="52" name="Google Shape;125;p4">
             <a:extLst>
               <a:ext uri="{FF2B5EF4-FFF2-40B4-BE49-F238E27FC236}">
-                <a16:creationId xmlns="" xmlns:a16="http://schemas.microsoft.com/office/drawing/2014/main" id="{B392D556-B476-4E1F-958C-31EE7B16300D}"/>
+                <a16:creationId xmlns:a16="http://schemas.microsoft.com/office/drawing/2014/main" xmlns="" id="{B392D556-B476-4E1F-958C-31EE7B16300D}"/>
               </a:ext>
             </a:extLst>
           </p:cNvPr>
@@ -21551,7 +21551,7 @@
           <p:cNvPr id="53" name="Google Shape;127;p4">
             <a:extLst>
               <a:ext uri="{FF2B5EF4-FFF2-40B4-BE49-F238E27FC236}">
-                <a16:creationId xmlns="" xmlns:a16="http://schemas.microsoft.com/office/drawing/2014/main" id="{BCF65B5B-0337-4C73-B9BB-A05F6916D064}"/>
+                <a16:creationId xmlns:a16="http://schemas.microsoft.com/office/drawing/2014/main" xmlns="" id="{BCF65B5B-0337-4C73-B9BB-A05F6916D064}"/>
               </a:ext>
             </a:extLst>
           </p:cNvPr>
@@ -21615,7 +21615,7 @@
           <p:cNvPr id="60" name="Группа 59">
             <a:extLst>
               <a:ext uri="{FF2B5EF4-FFF2-40B4-BE49-F238E27FC236}">
-                <a16:creationId xmlns="" xmlns:a16="http://schemas.microsoft.com/office/drawing/2014/main" id="{CEB208F7-621F-4826-AC02-D9ACF56C2556}"/>
+                <a16:creationId xmlns:a16="http://schemas.microsoft.com/office/drawing/2014/main" xmlns="" id="{CEB208F7-621F-4826-AC02-D9ACF56C2556}"/>
               </a:ext>
             </a:extLst>
           </p:cNvPr>
@@ -21635,7 +21635,7 @@
             <p:cNvPr id="61" name="Google Shape;123;p4">
               <a:extLst>
                 <a:ext uri="{FF2B5EF4-FFF2-40B4-BE49-F238E27FC236}">
-                  <a16:creationId xmlns="" xmlns:a16="http://schemas.microsoft.com/office/drawing/2014/main" id="{C80DFF66-7760-463A-A6E3-7A4A06739A6B}"/>
+                  <a16:creationId xmlns:a16="http://schemas.microsoft.com/office/drawing/2014/main" xmlns="" id="{C80DFF66-7760-463A-A6E3-7A4A06739A6B}"/>
                 </a:ext>
               </a:extLst>
             </p:cNvPr>
@@ -21669,7 +21669,7 @@
             <p:cNvPr id="62" name="Google Shape;124;p4">
               <a:extLst>
                 <a:ext uri="{FF2B5EF4-FFF2-40B4-BE49-F238E27FC236}">
-                  <a16:creationId xmlns="" xmlns:a16="http://schemas.microsoft.com/office/drawing/2014/main" id="{537A8DBB-64CB-4C54-9816-C8AB9CEF9F83}"/>
+                  <a16:creationId xmlns:a16="http://schemas.microsoft.com/office/drawing/2014/main" xmlns="" id="{537A8DBB-64CB-4C54-9816-C8AB9CEF9F83}"/>
                 </a:ext>
               </a:extLst>
             </p:cNvPr>
@@ -21703,7 +21703,7 @@
             <p:cNvPr id="63" name="Google Shape;126;p4">
               <a:extLst>
                 <a:ext uri="{FF2B5EF4-FFF2-40B4-BE49-F238E27FC236}">
-                  <a16:creationId xmlns="" xmlns:a16="http://schemas.microsoft.com/office/drawing/2014/main" id="{5EA94F71-5A4A-461B-84A6-89FA43FE7B61}"/>
+                  <a16:creationId xmlns:a16="http://schemas.microsoft.com/office/drawing/2014/main" xmlns="" id="{5EA94F71-5A4A-461B-84A6-89FA43FE7B61}"/>
                 </a:ext>
               </a:extLst>
             </p:cNvPr>
@@ -21738,7 +21738,7 @@
           <p:cNvPr id="64" name="Google Shape;127;p4">
             <a:extLst>
               <a:ext uri="{FF2B5EF4-FFF2-40B4-BE49-F238E27FC236}">
-                <a16:creationId xmlns="" xmlns:a16="http://schemas.microsoft.com/office/drawing/2014/main" id="{52F47E68-BBBA-4D50-92F9-0A84552519B8}"/>
+                <a16:creationId xmlns:a16="http://schemas.microsoft.com/office/drawing/2014/main" xmlns="" id="{52F47E68-BBBA-4D50-92F9-0A84552519B8}"/>
               </a:ext>
             </a:extLst>
           </p:cNvPr>
@@ -21927,7 +21927,7 @@
           <p:cNvPr id="66" name="Google Shape;125;p4">
             <a:extLst>
               <a:ext uri="{FF2B5EF4-FFF2-40B4-BE49-F238E27FC236}">
-                <a16:creationId xmlns="" xmlns:a16="http://schemas.microsoft.com/office/drawing/2014/main" id="{60669A83-F90E-4A4C-BA00-13CC73D4042F}"/>
+                <a16:creationId xmlns:a16="http://schemas.microsoft.com/office/drawing/2014/main" xmlns="" id="{60669A83-F90E-4A4C-BA00-13CC73D4042F}"/>
               </a:ext>
             </a:extLst>
           </p:cNvPr>
@@ -22104,7 +22104,7 @@
           <p:cNvPr id="4" name="Номер слайда 3">
             <a:extLst>
               <a:ext uri="{FF2B5EF4-FFF2-40B4-BE49-F238E27FC236}">
-                <a16:creationId xmlns="" xmlns:a16="http://schemas.microsoft.com/office/drawing/2014/main" id="{39A68FC8-8839-4BD0-A8B6-0C8B1924A8FB}"/>
+                <a16:creationId xmlns:a16="http://schemas.microsoft.com/office/drawing/2014/main" xmlns="" id="{39A68FC8-8839-4BD0-A8B6-0C8B1924A8FB}"/>
               </a:ext>
             </a:extLst>
           </p:cNvPr>
@@ -22142,7 +22142,7 @@
           <p:cNvPr id="8" name="Группа 7">
             <a:extLst>
               <a:ext uri="{FF2B5EF4-FFF2-40B4-BE49-F238E27FC236}">
-                <a16:creationId xmlns="" xmlns:a16="http://schemas.microsoft.com/office/drawing/2014/main" id="{B431A07B-4120-45A8-87F5-FD0B7543B02C}"/>
+                <a16:creationId xmlns:a16="http://schemas.microsoft.com/office/drawing/2014/main" xmlns="" id="{B431A07B-4120-45A8-87F5-FD0B7543B02C}"/>
               </a:ext>
             </a:extLst>
           </p:cNvPr>
@@ -22162,7 +22162,7 @@
             <p:cNvPr id="9" name="Прямоугольник 8">
               <a:extLst>
                 <a:ext uri="{FF2B5EF4-FFF2-40B4-BE49-F238E27FC236}">
-                  <a16:creationId xmlns="" xmlns:a16="http://schemas.microsoft.com/office/drawing/2014/main" id="{B408C17F-C4A9-45C8-85FF-C29DBCECDC7D}"/>
+                  <a16:creationId xmlns:a16="http://schemas.microsoft.com/office/drawing/2014/main" xmlns="" id="{B408C17F-C4A9-45C8-85FF-C29DBCECDC7D}"/>
                 </a:ext>
               </a:extLst>
             </p:cNvPr>
@@ -22234,7 +22234,7 @@
             <p:cNvPr id="11" name="Прямоугольник 58">
               <a:extLst>
                 <a:ext uri="{FF2B5EF4-FFF2-40B4-BE49-F238E27FC236}">
-                  <a16:creationId xmlns="" xmlns:a16="http://schemas.microsoft.com/office/drawing/2014/main" id="{8A2D04C4-68FF-4B8C-B3A7-621C55C3D8E2}"/>
+                  <a16:creationId xmlns:a16="http://schemas.microsoft.com/office/drawing/2014/main" xmlns="" id="{8A2D04C4-68FF-4B8C-B3A7-621C55C3D8E2}"/>
                 </a:ext>
               </a:extLst>
             </p:cNvPr>
@@ -22371,7 +22371,7 @@
             <p:cNvPr id="12" name="Прямоугольник 58">
               <a:extLst>
                 <a:ext uri="{FF2B5EF4-FFF2-40B4-BE49-F238E27FC236}">
-                  <a16:creationId xmlns="" xmlns:a16="http://schemas.microsoft.com/office/drawing/2014/main" id="{9DDB7652-1549-4D3B-8E35-D14E582606C3}"/>
+                  <a16:creationId xmlns:a16="http://schemas.microsoft.com/office/drawing/2014/main" xmlns="" id="{9DDB7652-1549-4D3B-8E35-D14E582606C3}"/>
                 </a:ext>
               </a:extLst>
             </p:cNvPr>
@@ -22542,7 +22542,7 @@
           <p:cNvPr id="14" name="Google Shape;125;p4">
             <a:extLst>
               <a:ext uri="{FF2B5EF4-FFF2-40B4-BE49-F238E27FC236}">
-                <a16:creationId xmlns="" xmlns:a16="http://schemas.microsoft.com/office/drawing/2014/main" id="{60669A83-F90E-4A4C-BA00-13CC73D4042F}"/>
+                <a16:creationId xmlns:a16="http://schemas.microsoft.com/office/drawing/2014/main" xmlns="" id="{60669A83-F90E-4A4C-BA00-13CC73D4042F}"/>
               </a:ext>
             </a:extLst>
           </p:cNvPr>
@@ -22645,7 +22645,7 @@
           <p:cNvPr id="4" name="Номер слайда 3">
             <a:extLst>
               <a:ext uri="{FF2B5EF4-FFF2-40B4-BE49-F238E27FC236}">
-                <a16:creationId xmlns="" xmlns:a16="http://schemas.microsoft.com/office/drawing/2014/main" id="{39A68FC8-8839-4BD0-A8B6-0C8B1924A8FB}"/>
+                <a16:creationId xmlns:a16="http://schemas.microsoft.com/office/drawing/2014/main" xmlns="" id="{39A68FC8-8839-4BD0-A8B6-0C8B1924A8FB}"/>
               </a:ext>
             </a:extLst>
           </p:cNvPr>
@@ -22683,7 +22683,7 @@
           <p:cNvPr id="8" name="Группа 7">
             <a:extLst>
               <a:ext uri="{FF2B5EF4-FFF2-40B4-BE49-F238E27FC236}">
-                <a16:creationId xmlns="" xmlns:a16="http://schemas.microsoft.com/office/drawing/2014/main" id="{B431A07B-4120-45A8-87F5-FD0B7543B02C}"/>
+                <a16:creationId xmlns:a16="http://schemas.microsoft.com/office/drawing/2014/main" xmlns="" id="{B431A07B-4120-45A8-87F5-FD0B7543B02C}"/>
               </a:ext>
             </a:extLst>
           </p:cNvPr>
@@ -22703,7 +22703,7 @@
             <p:cNvPr id="9" name="Прямоугольник 8">
               <a:extLst>
                 <a:ext uri="{FF2B5EF4-FFF2-40B4-BE49-F238E27FC236}">
-                  <a16:creationId xmlns="" xmlns:a16="http://schemas.microsoft.com/office/drawing/2014/main" id="{B408C17F-C4A9-45C8-85FF-C29DBCECDC7D}"/>
+                  <a16:creationId xmlns:a16="http://schemas.microsoft.com/office/drawing/2014/main" xmlns="" id="{B408C17F-C4A9-45C8-85FF-C29DBCECDC7D}"/>
                 </a:ext>
               </a:extLst>
             </p:cNvPr>
@@ -22790,7 +22790,7 @@
             <p:cNvPr id="11" name="Прямоугольник 58">
               <a:extLst>
                 <a:ext uri="{FF2B5EF4-FFF2-40B4-BE49-F238E27FC236}">
-                  <a16:creationId xmlns="" xmlns:a16="http://schemas.microsoft.com/office/drawing/2014/main" id="{8A2D04C4-68FF-4B8C-B3A7-621C55C3D8E2}"/>
+                  <a16:creationId xmlns:a16="http://schemas.microsoft.com/office/drawing/2014/main" xmlns="" id="{8A2D04C4-68FF-4B8C-B3A7-621C55C3D8E2}"/>
                 </a:ext>
               </a:extLst>
             </p:cNvPr>
@@ -22927,7 +22927,7 @@
             <p:cNvPr id="12" name="Прямоугольник 58">
               <a:extLst>
                 <a:ext uri="{FF2B5EF4-FFF2-40B4-BE49-F238E27FC236}">
-                  <a16:creationId xmlns="" xmlns:a16="http://schemas.microsoft.com/office/drawing/2014/main" id="{9DDB7652-1549-4D3B-8E35-D14E582606C3}"/>
+                  <a16:creationId xmlns:a16="http://schemas.microsoft.com/office/drawing/2014/main" xmlns="" id="{9DDB7652-1549-4D3B-8E35-D14E582606C3}"/>
                 </a:ext>
               </a:extLst>
             </p:cNvPr>
@@ -23070,7 +23070,7 @@
           <p:cNvPr id="14" name="Google Shape;125;p4">
             <a:extLst>
               <a:ext uri="{FF2B5EF4-FFF2-40B4-BE49-F238E27FC236}">
-                <a16:creationId xmlns="" xmlns:a16="http://schemas.microsoft.com/office/drawing/2014/main" id="{60669A83-F90E-4A4C-BA00-13CC73D4042F}"/>
+                <a16:creationId xmlns:a16="http://schemas.microsoft.com/office/drawing/2014/main" xmlns="" id="{60669A83-F90E-4A4C-BA00-13CC73D4042F}"/>
               </a:ext>
             </a:extLst>
           </p:cNvPr>
@@ -23265,7 +23265,7 @@
           <p:cNvPr id="4" name="Номер слайда 3">
             <a:extLst>
               <a:ext uri="{FF2B5EF4-FFF2-40B4-BE49-F238E27FC236}">
-                <a16:creationId xmlns="" xmlns:a16="http://schemas.microsoft.com/office/drawing/2014/main" id="{39A68FC8-8839-4BD0-A8B6-0C8B1924A8FB}"/>
+                <a16:creationId xmlns:a16="http://schemas.microsoft.com/office/drawing/2014/main" xmlns="" id="{39A68FC8-8839-4BD0-A8B6-0C8B1924A8FB}"/>
               </a:ext>
             </a:extLst>
           </p:cNvPr>
@@ -23303,7 +23303,7 @@
           <p:cNvPr id="8" name="Группа 7">
             <a:extLst>
               <a:ext uri="{FF2B5EF4-FFF2-40B4-BE49-F238E27FC236}">
-                <a16:creationId xmlns="" xmlns:a16="http://schemas.microsoft.com/office/drawing/2014/main" id="{B431A07B-4120-45A8-87F5-FD0B7543B02C}"/>
+                <a16:creationId xmlns:a16="http://schemas.microsoft.com/office/drawing/2014/main" xmlns="" id="{B431A07B-4120-45A8-87F5-FD0B7543B02C}"/>
               </a:ext>
             </a:extLst>
           </p:cNvPr>
@@ -23323,7 +23323,7 @@
             <p:cNvPr id="9" name="Прямоугольник 8">
               <a:extLst>
                 <a:ext uri="{FF2B5EF4-FFF2-40B4-BE49-F238E27FC236}">
-                  <a16:creationId xmlns="" xmlns:a16="http://schemas.microsoft.com/office/drawing/2014/main" id="{B408C17F-C4A9-45C8-85FF-C29DBCECDC7D}"/>
+                  <a16:creationId xmlns:a16="http://schemas.microsoft.com/office/drawing/2014/main" xmlns="" id="{B408C17F-C4A9-45C8-85FF-C29DBCECDC7D}"/>
                 </a:ext>
               </a:extLst>
             </p:cNvPr>
@@ -23395,7 +23395,7 @@
             <p:cNvPr id="11" name="Прямоугольник 58">
               <a:extLst>
                 <a:ext uri="{FF2B5EF4-FFF2-40B4-BE49-F238E27FC236}">
-                  <a16:creationId xmlns="" xmlns:a16="http://schemas.microsoft.com/office/drawing/2014/main" id="{8A2D04C4-68FF-4B8C-B3A7-621C55C3D8E2}"/>
+                  <a16:creationId xmlns:a16="http://schemas.microsoft.com/office/drawing/2014/main" xmlns="" id="{8A2D04C4-68FF-4B8C-B3A7-621C55C3D8E2}"/>
                 </a:ext>
               </a:extLst>
             </p:cNvPr>
@@ -23532,7 +23532,7 @@
             <p:cNvPr id="12" name="Прямоугольник 58">
               <a:extLst>
                 <a:ext uri="{FF2B5EF4-FFF2-40B4-BE49-F238E27FC236}">
-                  <a16:creationId xmlns="" xmlns:a16="http://schemas.microsoft.com/office/drawing/2014/main" id="{9DDB7652-1549-4D3B-8E35-D14E582606C3}"/>
+                  <a16:creationId xmlns:a16="http://schemas.microsoft.com/office/drawing/2014/main" xmlns="" id="{9DDB7652-1549-4D3B-8E35-D14E582606C3}"/>
                 </a:ext>
               </a:extLst>
             </p:cNvPr>
@@ -23710,7 +23710,7 @@
           <p:cNvPr id="16" name="Google Shape;125;p4">
             <a:extLst>
               <a:ext uri="{FF2B5EF4-FFF2-40B4-BE49-F238E27FC236}">
-                <a16:creationId xmlns="" xmlns:a16="http://schemas.microsoft.com/office/drawing/2014/main" id="{60669A83-F90E-4A4C-BA00-13CC73D4042F}"/>
+                <a16:creationId xmlns:a16="http://schemas.microsoft.com/office/drawing/2014/main" xmlns="" id="{60669A83-F90E-4A4C-BA00-13CC73D4042F}"/>
               </a:ext>
             </a:extLst>
           </p:cNvPr>
@@ -23938,7 +23938,7 @@
           <p:cNvPr id="17" name="Группа 16">
             <a:extLst>
               <a:ext uri="{FF2B5EF4-FFF2-40B4-BE49-F238E27FC236}">
-                <a16:creationId xmlns="" xmlns:a16="http://schemas.microsoft.com/office/drawing/2014/main" id="{066B2AF8-B3BB-4E6C-B4EF-BA91A7149C6E}"/>
+                <a16:creationId xmlns:a16="http://schemas.microsoft.com/office/drawing/2014/main" xmlns="" id="{066B2AF8-B3BB-4E6C-B4EF-BA91A7149C6E}"/>
               </a:ext>
             </a:extLst>
           </p:cNvPr>
@@ -23958,7 +23958,7 @@
             <p:cNvPr id="18" name="Google Shape;123;p4">
               <a:extLst>
                 <a:ext uri="{FF2B5EF4-FFF2-40B4-BE49-F238E27FC236}">
-                  <a16:creationId xmlns="" xmlns:a16="http://schemas.microsoft.com/office/drawing/2014/main" id="{B2BB743C-20D7-4E69-AAE1-54C42970370B}"/>
+                  <a16:creationId xmlns:a16="http://schemas.microsoft.com/office/drawing/2014/main" xmlns="" id="{B2BB743C-20D7-4E69-AAE1-54C42970370B}"/>
                 </a:ext>
               </a:extLst>
             </p:cNvPr>
@@ -23992,7 +23992,7 @@
             <p:cNvPr id="19" name="Google Shape;124;p4">
               <a:extLst>
                 <a:ext uri="{FF2B5EF4-FFF2-40B4-BE49-F238E27FC236}">
-                  <a16:creationId xmlns="" xmlns:a16="http://schemas.microsoft.com/office/drawing/2014/main" id="{A09E8948-234F-49EF-B8ED-B3C480E04917}"/>
+                  <a16:creationId xmlns:a16="http://schemas.microsoft.com/office/drawing/2014/main" xmlns="" id="{A09E8948-234F-49EF-B8ED-B3C480E04917}"/>
                 </a:ext>
               </a:extLst>
             </p:cNvPr>
@@ -24026,7 +24026,7 @@
             <p:cNvPr id="20" name="Google Shape;126;p4">
               <a:extLst>
                 <a:ext uri="{FF2B5EF4-FFF2-40B4-BE49-F238E27FC236}">
-                  <a16:creationId xmlns="" xmlns:a16="http://schemas.microsoft.com/office/drawing/2014/main" id="{DE776E1C-0C20-43D2-8A38-628879EB82A4}"/>
+                  <a16:creationId xmlns:a16="http://schemas.microsoft.com/office/drawing/2014/main" xmlns="" id="{DE776E1C-0C20-43D2-8A38-628879EB82A4}"/>
                 </a:ext>
               </a:extLst>
             </p:cNvPr>
@@ -24061,7 +24061,7 @@
           <p:cNvPr id="21" name="Google Shape;127;p4">
             <a:extLst>
               <a:ext uri="{FF2B5EF4-FFF2-40B4-BE49-F238E27FC236}">
-                <a16:creationId xmlns="" xmlns:a16="http://schemas.microsoft.com/office/drawing/2014/main" id="{BCF65B5B-0337-4C73-B9BB-A05F6916D064}"/>
+                <a16:creationId xmlns:a16="http://schemas.microsoft.com/office/drawing/2014/main" xmlns="" id="{BCF65B5B-0337-4C73-B9BB-A05F6916D064}"/>
               </a:ext>
             </a:extLst>
           </p:cNvPr>
@@ -24125,7 +24125,7 @@
           <p:cNvPr id="22" name="Группа 21">
             <a:extLst>
               <a:ext uri="{FF2B5EF4-FFF2-40B4-BE49-F238E27FC236}">
-                <a16:creationId xmlns="" xmlns:a16="http://schemas.microsoft.com/office/drawing/2014/main" id="{CEB208F7-621F-4826-AC02-D9ACF56C2556}"/>
+                <a16:creationId xmlns:a16="http://schemas.microsoft.com/office/drawing/2014/main" xmlns="" id="{CEB208F7-621F-4826-AC02-D9ACF56C2556}"/>
               </a:ext>
             </a:extLst>
           </p:cNvPr>
@@ -24145,7 +24145,7 @@
             <p:cNvPr id="23" name="Google Shape;123;p4">
               <a:extLst>
                 <a:ext uri="{FF2B5EF4-FFF2-40B4-BE49-F238E27FC236}">
-                  <a16:creationId xmlns="" xmlns:a16="http://schemas.microsoft.com/office/drawing/2014/main" id="{C80DFF66-7760-463A-A6E3-7A4A06739A6B}"/>
+                  <a16:creationId xmlns:a16="http://schemas.microsoft.com/office/drawing/2014/main" xmlns="" id="{C80DFF66-7760-463A-A6E3-7A4A06739A6B}"/>
                 </a:ext>
               </a:extLst>
             </p:cNvPr>
@@ -24179,7 +24179,7 @@
             <p:cNvPr id="24" name="Google Shape;124;p4">
               <a:extLst>
                 <a:ext uri="{FF2B5EF4-FFF2-40B4-BE49-F238E27FC236}">
-                  <a16:creationId xmlns="" xmlns:a16="http://schemas.microsoft.com/office/drawing/2014/main" id="{537A8DBB-64CB-4C54-9816-C8AB9CEF9F83}"/>
+                  <a16:creationId xmlns:a16="http://schemas.microsoft.com/office/drawing/2014/main" xmlns="" id="{537A8DBB-64CB-4C54-9816-C8AB9CEF9F83}"/>
                 </a:ext>
               </a:extLst>
             </p:cNvPr>
@@ -24213,7 +24213,7 @@
             <p:cNvPr id="25" name="Google Shape;126;p4">
               <a:extLst>
                 <a:ext uri="{FF2B5EF4-FFF2-40B4-BE49-F238E27FC236}">
-                  <a16:creationId xmlns="" xmlns:a16="http://schemas.microsoft.com/office/drawing/2014/main" id="{5EA94F71-5A4A-461B-84A6-89FA43FE7B61}"/>
+                  <a16:creationId xmlns:a16="http://schemas.microsoft.com/office/drawing/2014/main" xmlns="" id="{5EA94F71-5A4A-461B-84A6-89FA43FE7B61}"/>
                 </a:ext>
               </a:extLst>
             </p:cNvPr>
@@ -24248,7 +24248,7 @@
           <p:cNvPr id="26" name="Google Shape;127;p4">
             <a:extLst>
               <a:ext uri="{FF2B5EF4-FFF2-40B4-BE49-F238E27FC236}">
-                <a16:creationId xmlns="" xmlns:a16="http://schemas.microsoft.com/office/drawing/2014/main" id="{52F47E68-BBBA-4D50-92F9-0A84552519B8}"/>
+                <a16:creationId xmlns:a16="http://schemas.microsoft.com/office/drawing/2014/main" xmlns="" id="{52F47E68-BBBA-4D50-92F9-0A84552519B8}"/>
               </a:ext>
             </a:extLst>
           </p:cNvPr>
@@ -24357,7 +24357,7 @@
           <p:cNvPr id="4" name="Номер слайда 3">
             <a:extLst>
               <a:ext uri="{FF2B5EF4-FFF2-40B4-BE49-F238E27FC236}">
-                <a16:creationId xmlns="" xmlns:a16="http://schemas.microsoft.com/office/drawing/2014/main" id="{39A68FC8-8839-4BD0-A8B6-0C8B1924A8FB}"/>
+                <a16:creationId xmlns:a16="http://schemas.microsoft.com/office/drawing/2014/main" xmlns="" id="{39A68FC8-8839-4BD0-A8B6-0C8B1924A8FB}"/>
               </a:ext>
             </a:extLst>
           </p:cNvPr>
@@ -24395,7 +24395,7 @@
           <p:cNvPr id="8" name="Группа 7">
             <a:extLst>
               <a:ext uri="{FF2B5EF4-FFF2-40B4-BE49-F238E27FC236}">
-                <a16:creationId xmlns="" xmlns:a16="http://schemas.microsoft.com/office/drawing/2014/main" id="{B431A07B-4120-45A8-87F5-FD0B7543B02C}"/>
+                <a16:creationId xmlns:a16="http://schemas.microsoft.com/office/drawing/2014/main" xmlns="" id="{B431A07B-4120-45A8-87F5-FD0B7543B02C}"/>
               </a:ext>
             </a:extLst>
           </p:cNvPr>
@@ -24415,7 +24415,7 @@
             <p:cNvPr id="9" name="Прямоугольник 8">
               <a:extLst>
                 <a:ext uri="{FF2B5EF4-FFF2-40B4-BE49-F238E27FC236}">
-                  <a16:creationId xmlns="" xmlns:a16="http://schemas.microsoft.com/office/drawing/2014/main" id="{B408C17F-C4A9-45C8-85FF-C29DBCECDC7D}"/>
+                  <a16:creationId xmlns:a16="http://schemas.microsoft.com/office/drawing/2014/main" xmlns="" id="{B408C17F-C4A9-45C8-85FF-C29DBCECDC7D}"/>
                 </a:ext>
               </a:extLst>
             </p:cNvPr>
@@ -24487,7 +24487,7 @@
             <p:cNvPr id="11" name="Прямоугольник 58">
               <a:extLst>
                 <a:ext uri="{FF2B5EF4-FFF2-40B4-BE49-F238E27FC236}">
-                  <a16:creationId xmlns="" xmlns:a16="http://schemas.microsoft.com/office/drawing/2014/main" id="{8A2D04C4-68FF-4B8C-B3A7-621C55C3D8E2}"/>
+                  <a16:creationId xmlns:a16="http://schemas.microsoft.com/office/drawing/2014/main" xmlns="" id="{8A2D04C4-68FF-4B8C-B3A7-621C55C3D8E2}"/>
                 </a:ext>
               </a:extLst>
             </p:cNvPr>
@@ -24624,7 +24624,7 @@
             <p:cNvPr id="12" name="Прямоугольник 58">
               <a:extLst>
                 <a:ext uri="{FF2B5EF4-FFF2-40B4-BE49-F238E27FC236}">
-                  <a16:creationId xmlns="" xmlns:a16="http://schemas.microsoft.com/office/drawing/2014/main" id="{9DDB7652-1549-4D3B-8E35-D14E582606C3}"/>
+                  <a16:creationId xmlns:a16="http://schemas.microsoft.com/office/drawing/2014/main" xmlns="" id="{9DDB7652-1549-4D3B-8E35-D14E582606C3}"/>
                 </a:ext>
               </a:extLst>
             </p:cNvPr>
@@ -24795,7 +24795,7 @@
           <p:cNvPr id="14" name="Google Shape;125;p4">
             <a:extLst>
               <a:ext uri="{FF2B5EF4-FFF2-40B4-BE49-F238E27FC236}">
-                <a16:creationId xmlns="" xmlns:a16="http://schemas.microsoft.com/office/drawing/2014/main" id="{60669A83-F90E-4A4C-BA00-13CC73D4042F}"/>
+                <a16:creationId xmlns:a16="http://schemas.microsoft.com/office/drawing/2014/main" xmlns="" id="{60669A83-F90E-4A4C-BA00-13CC73D4042F}"/>
               </a:ext>
             </a:extLst>
           </p:cNvPr>
@@ -24931,7 +24931,7 @@
           <p:cNvPr id="4" name="Номер слайда 3">
             <a:extLst>
               <a:ext uri="{FF2B5EF4-FFF2-40B4-BE49-F238E27FC236}">
-                <a16:creationId xmlns="" xmlns:a16="http://schemas.microsoft.com/office/drawing/2014/main" id="{39A68FC8-8839-4BD0-A8B6-0C8B1924A8FB}"/>
+                <a16:creationId xmlns:a16="http://schemas.microsoft.com/office/drawing/2014/main" xmlns="" id="{39A68FC8-8839-4BD0-A8B6-0C8B1924A8FB}"/>
               </a:ext>
             </a:extLst>
           </p:cNvPr>
@@ -24969,7 +24969,7 @@
           <p:cNvPr id="8" name="Группа 7">
             <a:extLst>
               <a:ext uri="{FF2B5EF4-FFF2-40B4-BE49-F238E27FC236}">
-                <a16:creationId xmlns="" xmlns:a16="http://schemas.microsoft.com/office/drawing/2014/main" id="{B431A07B-4120-45A8-87F5-FD0B7543B02C}"/>
+                <a16:creationId xmlns:a16="http://schemas.microsoft.com/office/drawing/2014/main" xmlns="" id="{B431A07B-4120-45A8-87F5-FD0B7543B02C}"/>
               </a:ext>
             </a:extLst>
           </p:cNvPr>
@@ -24989,7 +24989,7 @@
             <p:cNvPr id="9" name="Прямоугольник 8">
               <a:extLst>
                 <a:ext uri="{FF2B5EF4-FFF2-40B4-BE49-F238E27FC236}">
-                  <a16:creationId xmlns="" xmlns:a16="http://schemas.microsoft.com/office/drawing/2014/main" id="{B408C17F-C4A9-45C8-85FF-C29DBCECDC7D}"/>
+                  <a16:creationId xmlns:a16="http://schemas.microsoft.com/office/drawing/2014/main" xmlns="" id="{B408C17F-C4A9-45C8-85FF-C29DBCECDC7D}"/>
                 </a:ext>
               </a:extLst>
             </p:cNvPr>
@@ -25061,7 +25061,7 @@
             <p:cNvPr id="11" name="Прямоугольник 58">
               <a:extLst>
                 <a:ext uri="{FF2B5EF4-FFF2-40B4-BE49-F238E27FC236}">
-                  <a16:creationId xmlns="" xmlns:a16="http://schemas.microsoft.com/office/drawing/2014/main" id="{8A2D04C4-68FF-4B8C-B3A7-621C55C3D8E2}"/>
+                  <a16:creationId xmlns:a16="http://schemas.microsoft.com/office/drawing/2014/main" xmlns="" id="{8A2D04C4-68FF-4B8C-B3A7-621C55C3D8E2}"/>
                 </a:ext>
               </a:extLst>
             </p:cNvPr>
@@ -25198,7 +25198,7 @@
             <p:cNvPr id="12" name="Прямоугольник 58">
               <a:extLst>
                 <a:ext uri="{FF2B5EF4-FFF2-40B4-BE49-F238E27FC236}">
-                  <a16:creationId xmlns="" xmlns:a16="http://schemas.microsoft.com/office/drawing/2014/main" id="{9DDB7652-1549-4D3B-8E35-D14E582606C3}"/>
+                  <a16:creationId xmlns:a16="http://schemas.microsoft.com/office/drawing/2014/main" xmlns="" id="{9DDB7652-1549-4D3B-8E35-D14E582606C3}"/>
                 </a:ext>
               </a:extLst>
             </p:cNvPr>
@@ -25556,7 +25556,7 @@
           <p:cNvPr id="65" name="Группа 64">
             <a:extLst>
               <a:ext uri="{FF2B5EF4-FFF2-40B4-BE49-F238E27FC236}">
-                <a16:creationId xmlns="" xmlns:a16="http://schemas.microsoft.com/office/drawing/2014/main" id="{9280711C-2262-4089-92EE-9BEACCC60C4C}"/>
+                <a16:creationId xmlns:a16="http://schemas.microsoft.com/office/drawing/2014/main" xmlns="" id="{9280711C-2262-4089-92EE-9BEACCC60C4C}"/>
               </a:ext>
             </a:extLst>
           </p:cNvPr>
@@ -25576,7 +25576,7 @@
             <p:cNvPr id="68" name="Прямоугольник 67">
               <a:extLst>
                 <a:ext uri="{FF2B5EF4-FFF2-40B4-BE49-F238E27FC236}">
-                  <a16:creationId xmlns="" xmlns:a16="http://schemas.microsoft.com/office/drawing/2014/main" id="{E2535886-3476-4B40-9706-6797B77905C0}"/>
+                  <a16:creationId xmlns:a16="http://schemas.microsoft.com/office/drawing/2014/main" xmlns="" id="{E2535886-3476-4B40-9706-6797B77905C0}"/>
                 </a:ext>
               </a:extLst>
             </p:cNvPr>
@@ -25648,7 +25648,7 @@
             <p:cNvPr id="69" name="Прямоугольник 58">
               <a:extLst>
                 <a:ext uri="{FF2B5EF4-FFF2-40B4-BE49-F238E27FC236}">
-                  <a16:creationId xmlns="" xmlns:a16="http://schemas.microsoft.com/office/drawing/2014/main" id="{96789138-2397-49AA-BF3A-A6B5B90E8840}"/>
+                  <a16:creationId xmlns:a16="http://schemas.microsoft.com/office/drawing/2014/main" xmlns="" id="{96789138-2397-49AA-BF3A-A6B5B90E8840}"/>
                 </a:ext>
               </a:extLst>
             </p:cNvPr>
@@ -25785,7 +25785,7 @@
             <p:cNvPr id="70" name="Прямоугольник 58">
               <a:extLst>
                 <a:ext uri="{FF2B5EF4-FFF2-40B4-BE49-F238E27FC236}">
-                  <a16:creationId xmlns="" xmlns:a16="http://schemas.microsoft.com/office/drawing/2014/main" id="{DA239952-60E1-45EB-BDF0-422CC4CF7E42}"/>
+                  <a16:creationId xmlns:a16="http://schemas.microsoft.com/office/drawing/2014/main" xmlns="" id="{DA239952-60E1-45EB-BDF0-422CC4CF7E42}"/>
                 </a:ext>
               </a:extLst>
             </p:cNvPr>
@@ -25928,7 +25928,7 @@
           <p:cNvPr id="4" name="Номер слайда 3">
             <a:extLst>
               <a:ext uri="{FF2B5EF4-FFF2-40B4-BE49-F238E27FC236}">
-                <a16:creationId xmlns="" xmlns:a16="http://schemas.microsoft.com/office/drawing/2014/main" id="{06555008-558A-4705-ADA6-A99A535D9A16}"/>
+                <a16:creationId xmlns:a16="http://schemas.microsoft.com/office/drawing/2014/main" xmlns="" id="{06555008-558A-4705-ADA6-A99A535D9A16}"/>
               </a:ext>
             </a:extLst>
           </p:cNvPr>
@@ -25966,7 +25966,7 @@
           <p:cNvPr id="11" name="Google Shape;125;p4">
             <a:extLst>
               <a:ext uri="{FF2B5EF4-FFF2-40B4-BE49-F238E27FC236}">
-                <a16:creationId xmlns="" xmlns:a16="http://schemas.microsoft.com/office/drawing/2014/main" id="{60669A83-F90E-4A4C-BA00-13CC73D4042F}"/>
+                <a16:creationId xmlns:a16="http://schemas.microsoft.com/office/drawing/2014/main" xmlns="" id="{60669A83-F90E-4A4C-BA00-13CC73D4042F}"/>
               </a:ext>
             </a:extLst>
           </p:cNvPr>
@@ -26060,7 +26060,7 @@
             <p:cNvPr id="36" name="Группа 35">
               <a:extLst>
                 <a:ext uri="{FF2B5EF4-FFF2-40B4-BE49-F238E27FC236}">
-                  <a16:creationId xmlns="" xmlns:a16="http://schemas.microsoft.com/office/drawing/2014/main" id="{066B2AF8-B3BB-4E6C-B4EF-BA91A7149C6E}"/>
+                  <a16:creationId xmlns:a16="http://schemas.microsoft.com/office/drawing/2014/main" xmlns="" id="{066B2AF8-B3BB-4E6C-B4EF-BA91A7149C6E}"/>
                 </a:ext>
               </a:extLst>
             </p:cNvPr>
@@ -26080,7 +26080,7 @@
               <p:cNvPr id="37" name="Google Shape;123;p4">
                 <a:extLst>
                   <a:ext uri="{FF2B5EF4-FFF2-40B4-BE49-F238E27FC236}">
-                    <a16:creationId xmlns="" xmlns:a16="http://schemas.microsoft.com/office/drawing/2014/main" id="{B2BB743C-20D7-4E69-AAE1-54C42970370B}"/>
+                    <a16:creationId xmlns:a16="http://schemas.microsoft.com/office/drawing/2014/main" xmlns="" id="{B2BB743C-20D7-4E69-AAE1-54C42970370B}"/>
                   </a:ext>
                 </a:extLst>
               </p:cNvPr>
@@ -26114,7 +26114,7 @@
               <p:cNvPr id="38" name="Google Shape;124;p4">
                 <a:extLst>
                   <a:ext uri="{FF2B5EF4-FFF2-40B4-BE49-F238E27FC236}">
-                    <a16:creationId xmlns="" xmlns:a16="http://schemas.microsoft.com/office/drawing/2014/main" id="{A09E8948-234F-49EF-B8ED-B3C480E04917}"/>
+                    <a16:creationId xmlns:a16="http://schemas.microsoft.com/office/drawing/2014/main" xmlns="" id="{A09E8948-234F-49EF-B8ED-B3C480E04917}"/>
                   </a:ext>
                 </a:extLst>
               </p:cNvPr>
@@ -26148,7 +26148,7 @@
               <p:cNvPr id="39" name="Google Shape;126;p4">
                 <a:extLst>
                   <a:ext uri="{FF2B5EF4-FFF2-40B4-BE49-F238E27FC236}">
-                    <a16:creationId xmlns="" xmlns:a16="http://schemas.microsoft.com/office/drawing/2014/main" id="{DE776E1C-0C20-43D2-8A38-628879EB82A4}"/>
+                    <a16:creationId xmlns:a16="http://schemas.microsoft.com/office/drawing/2014/main" xmlns="" id="{DE776E1C-0C20-43D2-8A38-628879EB82A4}"/>
                   </a:ext>
                 </a:extLst>
               </p:cNvPr>
@@ -26183,7 +26183,7 @@
             <p:cNvPr id="53" name="Google Shape;127;p4">
               <a:extLst>
                 <a:ext uri="{FF2B5EF4-FFF2-40B4-BE49-F238E27FC236}">
-                  <a16:creationId xmlns="" xmlns:a16="http://schemas.microsoft.com/office/drawing/2014/main" id="{BCF65B5B-0337-4C73-B9BB-A05F6916D064}"/>
+                  <a16:creationId xmlns:a16="http://schemas.microsoft.com/office/drawing/2014/main" xmlns="" id="{BCF65B5B-0337-4C73-B9BB-A05F6916D064}"/>
                 </a:ext>
               </a:extLst>
             </p:cNvPr>
@@ -26262,7 +26262,7 @@
             <p:cNvPr id="60" name="Группа 59">
               <a:extLst>
                 <a:ext uri="{FF2B5EF4-FFF2-40B4-BE49-F238E27FC236}">
-                  <a16:creationId xmlns="" xmlns:a16="http://schemas.microsoft.com/office/drawing/2014/main" id="{CEB208F7-621F-4826-AC02-D9ACF56C2556}"/>
+                  <a16:creationId xmlns:a16="http://schemas.microsoft.com/office/drawing/2014/main" xmlns="" id="{CEB208F7-621F-4826-AC02-D9ACF56C2556}"/>
                 </a:ext>
               </a:extLst>
             </p:cNvPr>
@@ -26282,7 +26282,7 @@
               <p:cNvPr id="61" name="Google Shape;123;p4">
                 <a:extLst>
                   <a:ext uri="{FF2B5EF4-FFF2-40B4-BE49-F238E27FC236}">
-                    <a16:creationId xmlns="" xmlns:a16="http://schemas.microsoft.com/office/drawing/2014/main" id="{C80DFF66-7760-463A-A6E3-7A4A06739A6B}"/>
+                    <a16:creationId xmlns:a16="http://schemas.microsoft.com/office/drawing/2014/main" xmlns="" id="{C80DFF66-7760-463A-A6E3-7A4A06739A6B}"/>
                   </a:ext>
                 </a:extLst>
               </p:cNvPr>
@@ -26316,7 +26316,7 @@
               <p:cNvPr id="62" name="Google Shape;124;p4">
                 <a:extLst>
                   <a:ext uri="{FF2B5EF4-FFF2-40B4-BE49-F238E27FC236}">
-                    <a16:creationId xmlns="" xmlns:a16="http://schemas.microsoft.com/office/drawing/2014/main" id="{537A8DBB-64CB-4C54-9816-C8AB9CEF9F83}"/>
+                    <a16:creationId xmlns:a16="http://schemas.microsoft.com/office/drawing/2014/main" xmlns="" id="{537A8DBB-64CB-4C54-9816-C8AB9CEF9F83}"/>
                   </a:ext>
                 </a:extLst>
               </p:cNvPr>
@@ -26350,7 +26350,7 @@
               <p:cNvPr id="63" name="Google Shape;126;p4">
                 <a:extLst>
                   <a:ext uri="{FF2B5EF4-FFF2-40B4-BE49-F238E27FC236}">
-                    <a16:creationId xmlns="" xmlns:a16="http://schemas.microsoft.com/office/drawing/2014/main" id="{5EA94F71-5A4A-461B-84A6-89FA43FE7B61}"/>
+                    <a16:creationId xmlns:a16="http://schemas.microsoft.com/office/drawing/2014/main" xmlns="" id="{5EA94F71-5A4A-461B-84A6-89FA43FE7B61}"/>
                   </a:ext>
                 </a:extLst>
               </p:cNvPr>
@@ -26385,7 +26385,7 @@
             <p:cNvPr id="64" name="Google Shape;127;p4">
               <a:extLst>
                 <a:ext uri="{FF2B5EF4-FFF2-40B4-BE49-F238E27FC236}">
-                  <a16:creationId xmlns="" xmlns:a16="http://schemas.microsoft.com/office/drawing/2014/main" id="{52F47E68-BBBA-4D50-92F9-0A84552519B8}"/>
+                  <a16:creationId xmlns:a16="http://schemas.microsoft.com/office/drawing/2014/main" xmlns="" id="{52F47E68-BBBA-4D50-92F9-0A84552519B8}"/>
                 </a:ext>
               </a:extLst>
             </p:cNvPr>
@@ -26514,7 +26514,7 @@
           <p:cNvPr id="66" name="Google Shape;125;p4">
             <a:extLst>
               <a:ext uri="{FF2B5EF4-FFF2-40B4-BE49-F238E27FC236}">
-                <a16:creationId xmlns="" xmlns:a16="http://schemas.microsoft.com/office/drawing/2014/main" id="{60669A83-F90E-4A4C-BA00-13CC73D4042F}"/>
+                <a16:creationId xmlns:a16="http://schemas.microsoft.com/office/drawing/2014/main" xmlns="" id="{60669A83-F90E-4A4C-BA00-13CC73D4042F}"/>
               </a:ext>
             </a:extLst>
           </p:cNvPr>
@@ -26570,7 +26570,7 @@
           <p:cNvPr id="67" name="Google Shape;125;p4">
             <a:extLst>
               <a:ext uri="{FF2B5EF4-FFF2-40B4-BE49-F238E27FC236}">
-                <a16:creationId xmlns="" xmlns:a16="http://schemas.microsoft.com/office/drawing/2014/main" id="{60669A83-F90E-4A4C-BA00-13CC73D4042F}"/>
+                <a16:creationId xmlns:a16="http://schemas.microsoft.com/office/drawing/2014/main" xmlns="" id="{60669A83-F90E-4A4C-BA00-13CC73D4042F}"/>
               </a:ext>
             </a:extLst>
           </p:cNvPr>
